--- a/Courses/Applied-Programmer/Programming-Fundamentals/04-Дебъгване/19.Методи.pptx
+++ b/Courses/Applied-Programmer/Programming-Fundamentals/04-Дебъгване/19.Методи.pptx
@@ -399,7 +399,7 @@
             <a:fld id="{FE5B4EDC-59C0-49C7-8ADA-5A781B329E02}" type="datetimeFigureOut">
               <a:rPr lang="en-US"/>
               <a:pPr/>
-              <a:t>16-Dec-19</a:t>
+              <a:t>13-Nov-20</a:t>
             </a:fld>
             <a:endParaRPr dirty="0"/>
           </a:p>
@@ -697,7 +697,7 @@
             <a:fld id="{F2D8D46A-B586-417D-BFBD-8C8FE0AAF762}" type="datetimeFigureOut">
               <a:rPr lang="en-US" smtClean="0"/>
               <a:pPr/>
-              <a:t>16-Dec-19</a:t>
+              <a:t>13-Nov-20</a:t>
             </a:fld>
             <a:endParaRPr lang="en-US" dirty="0"/>
           </a:p>
@@ -6047,6 +6047,55 @@
           </a:p>
         </p:txBody>
       </p:sp>
+      <p:sp>
+        <p:nvSpPr>
+          <p:cNvPr id="9" name="Rectangle 8"/>
+          <p:cNvSpPr/>
+          <p:nvPr/>
+        </p:nvSpPr>
+        <p:spPr>
+          <a:xfrm>
+            <a:off x="2360612" y="6320135"/>
+            <a:ext cx="7528408" cy="461665"/>
+          </a:xfrm>
+          <a:prstGeom prst="rect">
+            <a:avLst/>
+          </a:prstGeom>
+        </p:spPr>
+        <p:txBody>
+          <a:bodyPr wrap="none">
+            <a:spAutoFit/>
+          </a:bodyPr>
+          <a:lstStyle/>
+          <a:p>
+            <a:r>
+              <a:rPr lang="bg-BG" dirty="0" smtClean="0"/>
+              <a:t>Тествайте</a:t>
+            </a:r>
+            <a:r>
+              <a:rPr lang="en-US" dirty="0" smtClean="0"/>
+              <a:t> </a:t>
+            </a:r>
+            <a:r>
+              <a:rPr lang="en-US" dirty="0"/>
+              <a:t>в Judge: </a:t>
+            </a:r>
+            <a:r>
+              <a:rPr lang="en-US" dirty="0">
+                <a:hlinkClick r:id="rId3"/>
+              </a:rPr>
+              <a:t>https://</a:t>
+            </a:r>
+            <a:r>
+              <a:rPr lang="en-US" dirty="0" smtClean="0">
+                <a:hlinkClick r:id="rId3"/>
+              </a:rPr>
+              <a:t>judge.softuni.bg/Contests/2662</a:t>
+            </a:r>
+            <a:endParaRPr lang="en-US" dirty="0"/>
+          </a:p>
+        </p:txBody>
+      </p:sp>
     </p:spTree>
     <p:extLst>
       <p:ext uri="{BB962C8B-B14F-4D97-AF65-F5344CB8AC3E}">
@@ -7866,6 +7915,21 @@
                 </a:effectLst>
               </a:rPr>
               <a:t> </a:t>
+            </a:r>
+            <a:r>
+              <a:rPr lang="bg-BG" sz="2800" noProof="1">
+                <a:solidFill>
+                  <a:srgbClr val="FFFFFF"/>
+                </a:solidFill>
+                <a:effectLst>
+                  <a:outerShdw blurRad="38100" dist="38100" dir="2700000" algn="tl">
+                    <a:srgbClr val="000000">
+                      <a:alpha val="43137"/>
+                    </a:srgbClr>
+                  </a:outerShdw>
+                </a:effectLst>
+              </a:rPr>
+              <a:t/>
             </a:r>
             <a:br>
               <a:rPr lang="bg-BG" sz="2800" noProof="1">
@@ -10581,6 +10645,55 @@
           </a:p>
         </p:txBody>
       </p:sp>
+      <p:sp>
+        <p:nvSpPr>
+          <p:cNvPr id="21" name="Rectangle 20"/>
+          <p:cNvSpPr/>
+          <p:nvPr/>
+        </p:nvSpPr>
+        <p:spPr>
+          <a:xfrm>
+            <a:off x="2360612" y="6320135"/>
+            <a:ext cx="7528408" cy="461665"/>
+          </a:xfrm>
+          <a:prstGeom prst="rect">
+            <a:avLst/>
+          </a:prstGeom>
+        </p:spPr>
+        <p:txBody>
+          <a:bodyPr wrap="none">
+            <a:spAutoFit/>
+          </a:bodyPr>
+          <a:lstStyle/>
+          <a:p>
+            <a:r>
+              <a:rPr lang="bg-BG" dirty="0" smtClean="0"/>
+              <a:t>Тествайте</a:t>
+            </a:r>
+            <a:r>
+              <a:rPr lang="en-US" dirty="0" smtClean="0"/>
+              <a:t> </a:t>
+            </a:r>
+            <a:r>
+              <a:rPr lang="en-US" dirty="0"/>
+              <a:t>в Judge: </a:t>
+            </a:r>
+            <a:r>
+              <a:rPr lang="en-US" dirty="0">
+                <a:hlinkClick r:id="rId2"/>
+              </a:rPr>
+              <a:t>https://</a:t>
+            </a:r>
+            <a:r>
+              <a:rPr lang="en-US" dirty="0" smtClean="0">
+                <a:hlinkClick r:id="rId2"/>
+              </a:rPr>
+              <a:t>judge.softuni.bg/Contests/2662</a:t>
+            </a:r>
+            <a:endParaRPr lang="en-US" dirty="0"/>
+          </a:p>
+        </p:txBody>
+      </p:sp>
     </p:spTree>
     <p:extLst>
       <p:ext uri="{BB962C8B-B14F-4D97-AF65-F5344CB8AC3E}">
@@ -11412,6 +11525,55 @@
                 </a:prstClr>
               </a:solidFill>
             </a:endParaRPr>
+          </a:p>
+        </p:txBody>
+      </p:sp>
+      <p:sp>
+        <p:nvSpPr>
+          <p:cNvPr id="6" name="Rectangle 5"/>
+          <p:cNvSpPr/>
+          <p:nvPr/>
+        </p:nvSpPr>
+        <p:spPr>
+          <a:xfrm>
+            <a:off x="2360612" y="6320135"/>
+            <a:ext cx="7528408" cy="461665"/>
+          </a:xfrm>
+          <a:prstGeom prst="rect">
+            <a:avLst/>
+          </a:prstGeom>
+        </p:spPr>
+        <p:txBody>
+          <a:bodyPr wrap="none">
+            <a:spAutoFit/>
+          </a:bodyPr>
+          <a:lstStyle/>
+          <a:p>
+            <a:r>
+              <a:rPr lang="bg-BG" dirty="0" smtClean="0"/>
+              <a:t>Тествайте</a:t>
+            </a:r>
+            <a:r>
+              <a:rPr lang="en-US" dirty="0" smtClean="0"/>
+              <a:t> </a:t>
+            </a:r>
+            <a:r>
+              <a:rPr lang="en-US" dirty="0"/>
+              <a:t>в Judge: </a:t>
+            </a:r>
+            <a:r>
+              <a:rPr lang="en-US" dirty="0">
+                <a:hlinkClick r:id="rId2"/>
+              </a:rPr>
+              <a:t>https://</a:t>
+            </a:r>
+            <a:r>
+              <a:rPr lang="en-US" dirty="0" smtClean="0">
+                <a:hlinkClick r:id="rId2"/>
+              </a:rPr>
+              <a:t>judge.softuni.bg/Contests/2662</a:t>
+            </a:r>
+            <a:endParaRPr lang="en-US" dirty="0"/>
           </a:p>
         </p:txBody>
       </p:sp>
@@ -13911,6 +14073,55 @@
           </a:p>
         </p:txBody>
       </p:sp>
+      <p:sp>
+        <p:nvSpPr>
+          <p:cNvPr id="14" name="Rectangle 13"/>
+          <p:cNvSpPr/>
+          <p:nvPr/>
+        </p:nvSpPr>
+        <p:spPr>
+          <a:xfrm>
+            <a:off x="2360612" y="6320135"/>
+            <a:ext cx="7528408" cy="461665"/>
+          </a:xfrm>
+          <a:prstGeom prst="rect">
+            <a:avLst/>
+          </a:prstGeom>
+        </p:spPr>
+        <p:txBody>
+          <a:bodyPr wrap="none">
+            <a:spAutoFit/>
+          </a:bodyPr>
+          <a:lstStyle/>
+          <a:p>
+            <a:r>
+              <a:rPr lang="bg-BG" dirty="0" smtClean="0"/>
+              <a:t>Тествайте</a:t>
+            </a:r>
+            <a:r>
+              <a:rPr lang="en-US" dirty="0" smtClean="0"/>
+              <a:t> </a:t>
+            </a:r>
+            <a:r>
+              <a:rPr lang="en-US" dirty="0"/>
+              <a:t>в Judge: </a:t>
+            </a:r>
+            <a:r>
+              <a:rPr lang="en-US" dirty="0">
+                <a:hlinkClick r:id="rId2"/>
+              </a:rPr>
+              <a:t>https://</a:t>
+            </a:r>
+            <a:r>
+              <a:rPr lang="en-US" dirty="0" smtClean="0">
+                <a:hlinkClick r:id="rId2"/>
+              </a:rPr>
+              <a:t>judge.softuni.bg/Contests/2662</a:t>
+            </a:r>
+            <a:endParaRPr lang="en-US" dirty="0"/>
+          </a:p>
+        </p:txBody>
+      </p:sp>
     </p:spTree>
     <p:extLst>
       <p:ext uri="{BB962C8B-B14F-4D97-AF65-F5344CB8AC3E}">
@@ -14611,6 +14822,55 @@
                 </a:prstClr>
               </a:solidFill>
             </a:endParaRPr>
+          </a:p>
+        </p:txBody>
+      </p:sp>
+      <p:sp>
+        <p:nvSpPr>
+          <p:cNvPr id="7" name="Rectangle 6"/>
+          <p:cNvSpPr/>
+          <p:nvPr/>
+        </p:nvSpPr>
+        <p:spPr>
+          <a:xfrm>
+            <a:off x="2360612" y="6320135"/>
+            <a:ext cx="7528408" cy="461665"/>
+          </a:xfrm>
+          <a:prstGeom prst="rect">
+            <a:avLst/>
+          </a:prstGeom>
+        </p:spPr>
+        <p:txBody>
+          <a:bodyPr wrap="none">
+            <a:spAutoFit/>
+          </a:bodyPr>
+          <a:lstStyle/>
+          <a:p>
+            <a:r>
+              <a:rPr lang="bg-BG" dirty="0" smtClean="0"/>
+              <a:t>Тествайте</a:t>
+            </a:r>
+            <a:r>
+              <a:rPr lang="en-US" dirty="0" smtClean="0"/>
+              <a:t> </a:t>
+            </a:r>
+            <a:r>
+              <a:rPr lang="en-US" dirty="0"/>
+              <a:t>в Judge: </a:t>
+            </a:r>
+            <a:r>
+              <a:rPr lang="en-US" dirty="0">
+                <a:hlinkClick r:id="rId2"/>
+              </a:rPr>
+              <a:t>https://</a:t>
+            </a:r>
+            <a:r>
+              <a:rPr lang="en-US" dirty="0" smtClean="0">
+                <a:hlinkClick r:id="rId2"/>
+              </a:rPr>
+              <a:t>judge.softuni.bg/Contests/2662</a:t>
+            </a:r>
+            <a:endParaRPr lang="en-US" dirty="0"/>
           </a:p>
         </p:txBody>
       </p:sp>
@@ -15787,6 +16047,55 @@
                 </a:prstClr>
               </a:solidFill>
             </a:endParaRPr>
+          </a:p>
+        </p:txBody>
+      </p:sp>
+      <p:sp>
+        <p:nvSpPr>
+          <p:cNvPr id="12" name="Rectangle 11"/>
+          <p:cNvSpPr/>
+          <p:nvPr/>
+        </p:nvSpPr>
+        <p:spPr>
+          <a:xfrm>
+            <a:off x="2360612" y="6320135"/>
+            <a:ext cx="7528408" cy="461665"/>
+          </a:xfrm>
+          <a:prstGeom prst="rect">
+            <a:avLst/>
+          </a:prstGeom>
+        </p:spPr>
+        <p:txBody>
+          <a:bodyPr wrap="none">
+            <a:spAutoFit/>
+          </a:bodyPr>
+          <a:lstStyle/>
+          <a:p>
+            <a:r>
+              <a:rPr lang="bg-BG" dirty="0" smtClean="0"/>
+              <a:t>Тествайте</a:t>
+            </a:r>
+            <a:r>
+              <a:rPr lang="en-US" dirty="0" smtClean="0"/>
+              <a:t> </a:t>
+            </a:r>
+            <a:r>
+              <a:rPr lang="en-US" dirty="0"/>
+              <a:t>в Judge: </a:t>
+            </a:r>
+            <a:r>
+              <a:rPr lang="en-US" dirty="0">
+                <a:hlinkClick r:id="rId2"/>
+              </a:rPr>
+              <a:t>https://</a:t>
+            </a:r>
+            <a:r>
+              <a:rPr lang="en-US" dirty="0" smtClean="0">
+                <a:hlinkClick r:id="rId2"/>
+              </a:rPr>
+              <a:t>judge.softuni.bg/Contests/2662</a:t>
+            </a:r>
+            <a:endParaRPr lang="en-US" dirty="0"/>
           </a:p>
         </p:txBody>
       </p:sp>
@@ -18166,6 +18475,55 @@
                 </a:prstClr>
               </a:solidFill>
             </a:endParaRPr>
+          </a:p>
+        </p:txBody>
+      </p:sp>
+      <p:sp>
+        <p:nvSpPr>
+          <p:cNvPr id="16" name="Rectangle 15"/>
+          <p:cNvSpPr/>
+          <p:nvPr/>
+        </p:nvSpPr>
+        <p:spPr>
+          <a:xfrm>
+            <a:off x="2360612" y="6320135"/>
+            <a:ext cx="7528408" cy="461665"/>
+          </a:xfrm>
+          <a:prstGeom prst="rect">
+            <a:avLst/>
+          </a:prstGeom>
+        </p:spPr>
+        <p:txBody>
+          <a:bodyPr wrap="none">
+            <a:spAutoFit/>
+          </a:bodyPr>
+          <a:lstStyle/>
+          <a:p>
+            <a:r>
+              <a:rPr lang="bg-BG" dirty="0" smtClean="0"/>
+              <a:t>Тествайте</a:t>
+            </a:r>
+            <a:r>
+              <a:rPr lang="en-US" dirty="0" smtClean="0"/>
+              <a:t> </a:t>
+            </a:r>
+            <a:r>
+              <a:rPr lang="en-US" dirty="0"/>
+              <a:t>в Judge: </a:t>
+            </a:r>
+            <a:r>
+              <a:rPr lang="en-US" dirty="0">
+                <a:hlinkClick r:id="rId2"/>
+              </a:rPr>
+              <a:t>https://</a:t>
+            </a:r>
+            <a:r>
+              <a:rPr lang="en-US" dirty="0" smtClean="0">
+                <a:hlinkClick r:id="rId2"/>
+              </a:rPr>
+              <a:t>judge.softuni.bg/Contests/2662</a:t>
+            </a:r>
+            <a:endParaRPr lang="en-US" dirty="0"/>
           </a:p>
         </p:txBody>
       </p:sp>
@@ -23035,6 +23393,55 @@
           </a:p>
         </p:txBody>
       </p:sp>
+      <p:sp>
+        <p:nvSpPr>
+          <p:cNvPr id="8" name="Rectangle 7"/>
+          <p:cNvSpPr/>
+          <p:nvPr/>
+        </p:nvSpPr>
+        <p:spPr>
+          <a:xfrm>
+            <a:off x="2360612" y="6320135"/>
+            <a:ext cx="7528408" cy="461665"/>
+          </a:xfrm>
+          <a:prstGeom prst="rect">
+            <a:avLst/>
+          </a:prstGeom>
+        </p:spPr>
+        <p:txBody>
+          <a:bodyPr wrap="none">
+            <a:spAutoFit/>
+          </a:bodyPr>
+          <a:lstStyle/>
+          <a:p>
+            <a:r>
+              <a:rPr lang="bg-BG" dirty="0" smtClean="0"/>
+              <a:t>Тествайте</a:t>
+            </a:r>
+            <a:r>
+              <a:rPr lang="en-US" dirty="0" smtClean="0"/>
+              <a:t> </a:t>
+            </a:r>
+            <a:r>
+              <a:rPr lang="en-US" dirty="0"/>
+              <a:t>в Judge: </a:t>
+            </a:r>
+            <a:r>
+              <a:rPr lang="en-US" dirty="0">
+                <a:hlinkClick r:id="rId2"/>
+              </a:rPr>
+              <a:t>https://</a:t>
+            </a:r>
+            <a:r>
+              <a:rPr lang="en-US" dirty="0" smtClean="0">
+                <a:hlinkClick r:id="rId2"/>
+              </a:rPr>
+              <a:t>judge.softuni.bg/Contests/2662</a:t>
+            </a:r>
+            <a:endParaRPr lang="en-US" dirty="0"/>
+          </a:p>
+        </p:txBody>
+      </p:sp>
     </p:spTree>
     <p:extLst>
       <p:ext uri="{BB962C8B-B14F-4D97-AF65-F5344CB8AC3E}">
@@ -23823,6 +24230,55 @@
           </a:p>
         </p:txBody>
       </p:sp>
+      <p:sp>
+        <p:nvSpPr>
+          <p:cNvPr id="12" name="Rectangle 11"/>
+          <p:cNvSpPr/>
+          <p:nvPr/>
+        </p:nvSpPr>
+        <p:spPr>
+          <a:xfrm>
+            <a:off x="2360612" y="6320135"/>
+            <a:ext cx="7528408" cy="461665"/>
+          </a:xfrm>
+          <a:prstGeom prst="rect">
+            <a:avLst/>
+          </a:prstGeom>
+        </p:spPr>
+        <p:txBody>
+          <a:bodyPr wrap="none">
+            <a:spAutoFit/>
+          </a:bodyPr>
+          <a:lstStyle/>
+          <a:p>
+            <a:r>
+              <a:rPr lang="bg-BG" dirty="0" smtClean="0"/>
+              <a:t>Тествайте</a:t>
+            </a:r>
+            <a:r>
+              <a:rPr lang="en-US" dirty="0" smtClean="0"/>
+              <a:t> </a:t>
+            </a:r>
+            <a:r>
+              <a:rPr lang="en-US" dirty="0"/>
+              <a:t>в Judge: </a:t>
+            </a:r>
+            <a:r>
+              <a:rPr lang="en-US" dirty="0">
+                <a:hlinkClick r:id="rId3"/>
+              </a:rPr>
+              <a:t>https://</a:t>
+            </a:r>
+            <a:r>
+              <a:rPr lang="en-US" dirty="0" smtClean="0">
+                <a:hlinkClick r:id="rId3"/>
+              </a:rPr>
+              <a:t>judge.softuni.bg/Contests/2662</a:t>
+            </a:r>
+            <a:endParaRPr lang="en-US" dirty="0"/>
+          </a:p>
+        </p:txBody>
+      </p:sp>
     </p:spTree>
     <p:extLst>
       <p:ext uri="{BB962C8B-B14F-4D97-AF65-F5344CB8AC3E}">
@@ -24603,6 +25059,55 @@
                 </a:prstClr>
               </a:solidFill>
             </a:endParaRPr>
+          </a:p>
+        </p:txBody>
+      </p:sp>
+      <p:sp>
+        <p:nvSpPr>
+          <p:cNvPr id="9" name="Rectangle 8"/>
+          <p:cNvSpPr/>
+          <p:nvPr/>
+        </p:nvSpPr>
+        <p:spPr>
+          <a:xfrm>
+            <a:off x="2360612" y="6320135"/>
+            <a:ext cx="7528408" cy="461665"/>
+          </a:xfrm>
+          <a:prstGeom prst="rect">
+            <a:avLst/>
+          </a:prstGeom>
+        </p:spPr>
+        <p:txBody>
+          <a:bodyPr wrap="none">
+            <a:spAutoFit/>
+          </a:bodyPr>
+          <a:lstStyle/>
+          <a:p>
+            <a:r>
+              <a:rPr lang="bg-BG" dirty="0" smtClean="0"/>
+              <a:t>Тествайте</a:t>
+            </a:r>
+            <a:r>
+              <a:rPr lang="en-US" dirty="0" smtClean="0"/>
+              <a:t> </a:t>
+            </a:r>
+            <a:r>
+              <a:rPr lang="en-US" dirty="0"/>
+              <a:t>в Judge: </a:t>
+            </a:r>
+            <a:r>
+              <a:rPr lang="en-US" dirty="0">
+                <a:hlinkClick r:id="rId2"/>
+              </a:rPr>
+              <a:t>https://</a:t>
+            </a:r>
+            <a:r>
+              <a:rPr lang="en-US" dirty="0" smtClean="0">
+                <a:hlinkClick r:id="rId2"/>
+              </a:rPr>
+              <a:t>judge.softuni.bg/Contests/2662</a:t>
+            </a:r>
+            <a:endParaRPr lang="en-US" dirty="0"/>
           </a:p>
         </p:txBody>
       </p:sp>
@@ -25648,6 +26153,55 @@
                 </a:prstClr>
               </a:solidFill>
             </a:endParaRPr>
+          </a:p>
+        </p:txBody>
+      </p:sp>
+      <p:sp>
+        <p:nvSpPr>
+          <p:cNvPr id="14" name="Rectangle 13"/>
+          <p:cNvSpPr/>
+          <p:nvPr/>
+        </p:nvSpPr>
+        <p:spPr>
+          <a:xfrm>
+            <a:off x="2360612" y="6320135"/>
+            <a:ext cx="7528408" cy="461665"/>
+          </a:xfrm>
+          <a:prstGeom prst="rect">
+            <a:avLst/>
+          </a:prstGeom>
+        </p:spPr>
+        <p:txBody>
+          <a:bodyPr wrap="none">
+            <a:spAutoFit/>
+          </a:bodyPr>
+          <a:lstStyle/>
+          <a:p>
+            <a:r>
+              <a:rPr lang="bg-BG" dirty="0" smtClean="0"/>
+              <a:t>Тествайте</a:t>
+            </a:r>
+            <a:r>
+              <a:rPr lang="en-US" dirty="0" smtClean="0"/>
+              <a:t> </a:t>
+            </a:r>
+            <a:r>
+              <a:rPr lang="en-US" dirty="0"/>
+              <a:t>в Judge: </a:t>
+            </a:r>
+            <a:r>
+              <a:rPr lang="en-US" dirty="0">
+                <a:hlinkClick r:id="rId2"/>
+              </a:rPr>
+              <a:t>https://</a:t>
+            </a:r>
+            <a:r>
+              <a:rPr lang="en-US" dirty="0" smtClean="0">
+                <a:hlinkClick r:id="rId2"/>
+              </a:rPr>
+              <a:t>judge.softuni.bg/Contests/2662</a:t>
+            </a:r>
+            <a:endParaRPr lang="en-US" dirty="0"/>
           </a:p>
         </p:txBody>
       </p:sp>
@@ -29938,6 +30492,55 @@
                 </a:prstClr>
               </a:solidFill>
             </a:endParaRPr>
+          </a:p>
+        </p:txBody>
+      </p:sp>
+      <p:sp>
+        <p:nvSpPr>
+          <p:cNvPr id="17" name="Rectangle 16"/>
+          <p:cNvSpPr/>
+          <p:nvPr/>
+        </p:nvSpPr>
+        <p:spPr>
+          <a:xfrm>
+            <a:off x="2360612" y="6320135"/>
+            <a:ext cx="7528408" cy="461665"/>
+          </a:xfrm>
+          <a:prstGeom prst="rect">
+            <a:avLst/>
+          </a:prstGeom>
+        </p:spPr>
+        <p:txBody>
+          <a:bodyPr wrap="none">
+            <a:spAutoFit/>
+          </a:bodyPr>
+          <a:lstStyle/>
+          <a:p>
+            <a:r>
+              <a:rPr lang="bg-BG" dirty="0" smtClean="0"/>
+              <a:t>Тествайте</a:t>
+            </a:r>
+            <a:r>
+              <a:rPr lang="en-US" dirty="0" smtClean="0"/>
+              <a:t> </a:t>
+            </a:r>
+            <a:r>
+              <a:rPr lang="en-US" dirty="0"/>
+              <a:t>в Judge: </a:t>
+            </a:r>
+            <a:r>
+              <a:rPr lang="en-US" dirty="0">
+                <a:hlinkClick r:id="rId2"/>
+              </a:rPr>
+              <a:t>https://</a:t>
+            </a:r>
+            <a:r>
+              <a:rPr lang="en-US" dirty="0" smtClean="0">
+                <a:hlinkClick r:id="rId2"/>
+              </a:rPr>
+              <a:t>judge.softuni.bg/Contests/2662</a:t>
+            </a:r>
+            <a:endParaRPr lang="en-US" dirty="0"/>
           </a:p>
         </p:txBody>
       </p:sp>
@@ -37426,6 +38029,55 @@
                 </a:prstClr>
               </a:solidFill>
             </a:endParaRPr>
+          </a:p>
+        </p:txBody>
+      </p:sp>
+      <p:sp>
+        <p:nvSpPr>
+          <p:cNvPr id="6" name="Rectangle 5"/>
+          <p:cNvSpPr/>
+          <p:nvPr/>
+        </p:nvSpPr>
+        <p:spPr>
+          <a:xfrm>
+            <a:off x="2360612" y="6320135"/>
+            <a:ext cx="7528408" cy="461665"/>
+          </a:xfrm>
+          <a:prstGeom prst="rect">
+            <a:avLst/>
+          </a:prstGeom>
+        </p:spPr>
+        <p:txBody>
+          <a:bodyPr wrap="none">
+            <a:spAutoFit/>
+          </a:bodyPr>
+          <a:lstStyle/>
+          <a:p>
+            <a:r>
+              <a:rPr lang="bg-BG" dirty="0" smtClean="0"/>
+              <a:t>Тествайте</a:t>
+            </a:r>
+            <a:r>
+              <a:rPr lang="en-US" dirty="0" smtClean="0"/>
+              <a:t> </a:t>
+            </a:r>
+            <a:r>
+              <a:rPr lang="en-US" dirty="0"/>
+              <a:t>в Judge: </a:t>
+            </a:r>
+            <a:r>
+              <a:rPr lang="en-US" dirty="0">
+                <a:hlinkClick r:id="rId2"/>
+              </a:rPr>
+              <a:t>https://</a:t>
+            </a:r>
+            <a:r>
+              <a:rPr lang="en-US" dirty="0" smtClean="0">
+                <a:hlinkClick r:id="rId2"/>
+              </a:rPr>
+              <a:t>judge.softuni.bg/Contests/2662</a:t>
+            </a:r>
+            <a:endParaRPr lang="en-US" dirty="0"/>
           </a:p>
         </p:txBody>
       </p:sp>

--- a/Courses/Applied-Programmer/Programming-Fundamentals/04-Дебъгване/19.Методи.pptx
+++ b/Courses/Applied-Programmer/Programming-Fundamentals/04-Дебъгване/19.Методи.pptx
@@ -399,7 +399,7 @@
             <a:fld id="{FE5B4EDC-59C0-49C7-8ADA-5A781B329E02}" type="datetimeFigureOut">
               <a:rPr lang="en-US"/>
               <a:pPr/>
-              <a:t>13-Nov-20</a:t>
+              <a:t>19-Nov-20</a:t>
             </a:fld>
             <a:endParaRPr dirty="0"/>
           </a:p>
@@ -697,7 +697,7 @@
             <a:fld id="{F2D8D46A-B586-417D-BFBD-8C8FE0AAF762}" type="datetimeFigureOut">
               <a:rPr lang="en-US" smtClean="0"/>
               <a:pPr/>
-              <a:t>13-Nov-20</a:t>
+              <a:t>19-Nov-20</a:t>
             </a:fld>
             <a:endParaRPr lang="en-US" dirty="0"/>
           </a:p>
@@ -4636,10 +4636,10 @@
         </p:nvGrpSpPr>
         <p:grpSpPr>
           <a:xfrm>
-            <a:off x="760412" y="3583505"/>
-            <a:ext cx="5043827" cy="2524722"/>
-            <a:chOff x="745783" y="3624633"/>
-            <a:chExt cx="5043827" cy="2524722"/>
+            <a:off x="227011" y="3583505"/>
+            <a:ext cx="5577228" cy="2681234"/>
+            <a:chOff x="212382" y="3624633"/>
+            <a:chExt cx="5577228" cy="2681234"/>
           </a:xfrm>
         </p:grpSpPr>
         <p:pic>
@@ -4696,7 +4696,7 @@
           </p:blipFill>
           <p:spPr bwMode="auto">
             <a:xfrm>
-              <a:off x="745783" y="4076772"/>
+              <a:off x="244538" y="4215781"/>
               <a:ext cx="2175525" cy="761165"/>
             </a:xfrm>
             <a:prstGeom prst="roundRect">
@@ -4735,7 +4735,7 @@
           </p:nvSpPr>
           <p:spPr bwMode="auto">
             <a:xfrm>
-              <a:off x="760413" y="4998598"/>
+              <a:off x="212382" y="5010330"/>
               <a:ext cx="3187614" cy="444343"/>
             </a:xfrm>
             <a:prstGeom prst="rect">
@@ -4992,7 +4992,7 @@
           </p:nvSpPr>
           <p:spPr bwMode="auto">
             <a:xfrm>
-              <a:off x="760412" y="5403725"/>
+              <a:off x="212383" y="5430341"/>
               <a:ext cx="3187613" cy="382788"/>
             </a:xfrm>
             <a:prstGeom prst="rect">
@@ -5248,7 +5248,7 @@
           </p:nvSpPr>
           <p:spPr bwMode="auto">
             <a:xfrm>
-              <a:off x="760412" y="5690893"/>
+              <a:off x="212383" y="5847405"/>
               <a:ext cx="3810000" cy="458462"/>
             </a:xfrm>
             <a:prstGeom prst="rect">
@@ -5489,6 +5489,141 @@
           </p:txBody>
         </p:sp>
       </p:grpSp>
+      <p:sp>
+        <p:nvSpPr>
+          <p:cNvPr id="14" name="Text Placeholder 11">
+            <a:extLst>
+              <a:ext uri="{FF2B5EF4-FFF2-40B4-BE49-F238E27FC236}">
+                <a16:creationId xmlns:a16="http://schemas.microsoft.com/office/drawing/2014/main" id="{BED58142-ABAE-4927-A52D-E75852486387}"/>
+              </a:ext>
+            </a:extLst>
+          </p:cNvPr>
+          <p:cNvSpPr txBox="1">
+            <a:spLocks/>
+          </p:cNvSpPr>
+          <p:nvPr/>
+        </p:nvSpPr>
+        <p:spPr bwMode="auto">
+          <a:xfrm>
+            <a:off x="227012" y="6299015"/>
+            <a:ext cx="11885613" cy="349702"/>
+          </a:xfrm>
+          <a:prstGeom prst="rect">
+            <a:avLst/>
+          </a:prstGeom>
+          <a:noFill/>
+          <a:effectLst/>
+        </p:spPr>
+        <p:txBody>
+          <a:bodyPr vert="horz" wrap="square" lIns="36000" tIns="36000" rIns="36000" bIns="36000" rtlCol="0" anchor="ctr" anchorCtr="0">
+            <a:spAutoFit/>
+          </a:bodyPr>
+          <a:lstStyle>
+            <a:defPPr>
+              <a:defRPr lang="en-US"/>
+            </a:defPPr>
+            <a:lvl1pPr marL="0" algn="l" defTabSz="1218987" rtl="0" eaLnBrk="1" latinLnBrk="0" hangingPunct="1">
+              <a:defRPr sz="2400" kern="1200">
+                <a:solidFill>
+                  <a:schemeClr val="tx1"/>
+                </a:solidFill>
+                <a:latin typeface="+mn-lt"/>
+                <a:ea typeface="+mn-ea"/>
+                <a:cs typeface="+mn-cs"/>
+              </a:defRPr>
+            </a:lvl1pPr>
+            <a:lvl2pPr marL="609493" algn="l" defTabSz="1218987" rtl="0" eaLnBrk="1" latinLnBrk="0" hangingPunct="1">
+              <a:defRPr sz="2400" kern="1200">
+                <a:solidFill>
+                  <a:schemeClr val="tx1"/>
+                </a:solidFill>
+                <a:latin typeface="+mn-lt"/>
+                <a:ea typeface="+mn-ea"/>
+                <a:cs typeface="+mn-cs"/>
+              </a:defRPr>
+            </a:lvl2pPr>
+            <a:lvl3pPr marL="1218987" algn="l" defTabSz="1218987" rtl="0" eaLnBrk="1" latinLnBrk="0" hangingPunct="1">
+              <a:defRPr sz="2400" kern="1200">
+                <a:solidFill>
+                  <a:schemeClr val="tx1"/>
+                </a:solidFill>
+                <a:latin typeface="+mn-lt"/>
+                <a:ea typeface="+mn-ea"/>
+                <a:cs typeface="+mn-cs"/>
+              </a:defRPr>
+            </a:lvl3pPr>
+            <a:lvl4pPr marL="1828480" algn="l" defTabSz="1218987" rtl="0" eaLnBrk="1" latinLnBrk="0" hangingPunct="1">
+              <a:defRPr sz="2400" kern="1200">
+                <a:solidFill>
+                  <a:schemeClr val="tx1"/>
+                </a:solidFill>
+                <a:latin typeface="+mn-lt"/>
+                <a:ea typeface="+mn-ea"/>
+                <a:cs typeface="+mn-cs"/>
+              </a:defRPr>
+            </a:lvl4pPr>
+            <a:lvl5pPr marL="2437973" algn="l" defTabSz="1218987" rtl="0" eaLnBrk="1" latinLnBrk="0" hangingPunct="1">
+              <a:defRPr sz="2400" kern="1200">
+                <a:solidFill>
+                  <a:schemeClr val="tx1"/>
+                </a:solidFill>
+                <a:latin typeface="+mn-lt"/>
+                <a:ea typeface="+mn-ea"/>
+                <a:cs typeface="+mn-cs"/>
+              </a:defRPr>
+            </a:lvl5pPr>
+            <a:lvl6pPr marL="3047467" algn="l" defTabSz="1218987" rtl="0" eaLnBrk="1" latinLnBrk="0" hangingPunct="1">
+              <a:defRPr sz="2400" kern="1200">
+                <a:solidFill>
+                  <a:schemeClr val="tx1"/>
+                </a:solidFill>
+                <a:latin typeface="+mn-lt"/>
+                <a:ea typeface="+mn-ea"/>
+                <a:cs typeface="+mn-cs"/>
+              </a:defRPr>
+            </a:lvl6pPr>
+            <a:lvl7pPr marL="3656960" algn="l" defTabSz="1218987" rtl="0" eaLnBrk="1" latinLnBrk="0" hangingPunct="1">
+              <a:defRPr sz="2400" kern="1200">
+                <a:solidFill>
+                  <a:schemeClr val="tx1"/>
+                </a:solidFill>
+                <a:latin typeface="+mn-lt"/>
+                <a:ea typeface="+mn-ea"/>
+                <a:cs typeface="+mn-cs"/>
+              </a:defRPr>
+            </a:lvl7pPr>
+            <a:lvl8pPr marL="4266453" algn="l" defTabSz="1218987" rtl="0" eaLnBrk="1" latinLnBrk="0" hangingPunct="1">
+              <a:defRPr sz="2400" kern="1200">
+                <a:solidFill>
+                  <a:schemeClr val="tx1"/>
+                </a:solidFill>
+                <a:latin typeface="+mn-lt"/>
+                <a:ea typeface="+mn-ea"/>
+                <a:cs typeface="+mn-cs"/>
+              </a:defRPr>
+            </a:lvl8pPr>
+            <a:lvl9pPr marL="4875947" algn="l" defTabSz="1218987" rtl="0" eaLnBrk="1" latinLnBrk="0" hangingPunct="1">
+              <a:defRPr sz="2400" kern="1200">
+                <a:solidFill>
+                  <a:schemeClr val="tx1"/>
+                </a:solidFill>
+                <a:latin typeface="+mn-lt"/>
+                <a:ea typeface="+mn-ea"/>
+                <a:cs typeface="+mn-cs"/>
+              </a:defRPr>
+            </a:lvl9pPr>
+          </a:lstStyle>
+          <a:p>
+            <a:r>
+              <a:rPr lang="en-US" sz="1800" b="1" dirty="0">
+                <a:hlinkClick r:id="rId9"/>
+              </a:rPr>
+              <a:t>https://github.com/BG-IT-Edu/School-Programming/tree/main/Courses/Applied-Programmer/Programming-Fundamentals</a:t>
+            </a:r>
+            <a:endParaRPr lang="en-GB" sz="1800" b="1" dirty="0"/>
+          </a:p>
+        </p:txBody>
+      </p:sp>
     </p:spTree>
     <p:extLst>
       <p:ext uri="{BB962C8B-B14F-4D97-AF65-F5344CB8AC3E}">
@@ -6069,28 +6204,18 @@
           <a:lstStyle/>
           <a:p>
             <a:r>
-              <a:rPr lang="bg-BG" dirty="0" smtClean="0"/>
+              <a:rPr lang="bg-BG" dirty="0"/>
               <a:t>Тествайте</a:t>
             </a:r>
             <a:r>
-              <a:rPr lang="en-US" dirty="0" smtClean="0"/>
-              <a:t> </a:t>
-            </a:r>
-            <a:r>
               <a:rPr lang="en-US" dirty="0"/>
-              <a:t>в Judge: </a:t>
+              <a:t> в Judge: </a:t>
             </a:r>
             <a:r>
               <a:rPr lang="en-US" dirty="0">
                 <a:hlinkClick r:id="rId3"/>
               </a:rPr>
-              <a:t>https://</a:t>
-            </a:r>
-            <a:r>
-              <a:rPr lang="en-US" dirty="0" smtClean="0">
-                <a:hlinkClick r:id="rId3"/>
-              </a:rPr>
-              <a:t>judge.softuni.bg/Contests/2662</a:t>
+              <a:t>https://judge.softuni.bg/Contests/2662</a:t>
             </a:r>
             <a:endParaRPr lang="en-US" dirty="0"/>
           </a:p>
@@ -7915,21 +8040,6 @@
                 </a:effectLst>
               </a:rPr>
               <a:t> </a:t>
-            </a:r>
-            <a:r>
-              <a:rPr lang="bg-BG" sz="2800" noProof="1">
-                <a:solidFill>
-                  <a:srgbClr val="FFFFFF"/>
-                </a:solidFill>
-                <a:effectLst>
-                  <a:outerShdw blurRad="38100" dist="38100" dir="2700000" algn="tl">
-                    <a:srgbClr val="000000">
-                      <a:alpha val="43137"/>
-                    </a:srgbClr>
-                  </a:outerShdw>
-                </a:effectLst>
-              </a:rPr>
-              <a:t/>
             </a:r>
             <a:br>
               <a:rPr lang="bg-BG" sz="2800" noProof="1">
@@ -10667,28 +10777,18 @@
           <a:lstStyle/>
           <a:p>
             <a:r>
-              <a:rPr lang="bg-BG" dirty="0" smtClean="0"/>
+              <a:rPr lang="bg-BG" dirty="0"/>
               <a:t>Тествайте</a:t>
             </a:r>
             <a:r>
-              <a:rPr lang="en-US" dirty="0" smtClean="0"/>
-              <a:t> </a:t>
-            </a:r>
-            <a:r>
               <a:rPr lang="en-US" dirty="0"/>
-              <a:t>в Judge: </a:t>
+              <a:t> в Judge: </a:t>
             </a:r>
             <a:r>
               <a:rPr lang="en-US" dirty="0">
                 <a:hlinkClick r:id="rId2"/>
               </a:rPr>
-              <a:t>https://</a:t>
-            </a:r>
-            <a:r>
-              <a:rPr lang="en-US" dirty="0" smtClean="0">
-                <a:hlinkClick r:id="rId2"/>
-              </a:rPr>
-              <a:t>judge.softuni.bg/Contests/2662</a:t>
+              <a:t>https://judge.softuni.bg/Contests/2662</a:t>
             </a:r>
             <a:endParaRPr lang="en-US" dirty="0"/>
           </a:p>
@@ -11550,28 +11650,18 @@
           <a:lstStyle/>
           <a:p>
             <a:r>
-              <a:rPr lang="bg-BG" dirty="0" smtClean="0"/>
+              <a:rPr lang="bg-BG" dirty="0"/>
               <a:t>Тествайте</a:t>
             </a:r>
             <a:r>
-              <a:rPr lang="en-US" dirty="0" smtClean="0"/>
-              <a:t> </a:t>
-            </a:r>
-            <a:r>
               <a:rPr lang="en-US" dirty="0"/>
-              <a:t>в Judge: </a:t>
+              <a:t> в Judge: </a:t>
             </a:r>
             <a:r>
               <a:rPr lang="en-US" dirty="0">
                 <a:hlinkClick r:id="rId2"/>
               </a:rPr>
-              <a:t>https://</a:t>
-            </a:r>
-            <a:r>
-              <a:rPr lang="en-US" dirty="0" smtClean="0">
-                <a:hlinkClick r:id="rId2"/>
-              </a:rPr>
-              <a:t>judge.softuni.bg/Contests/2662</a:t>
+              <a:t>https://judge.softuni.bg/Contests/2662</a:t>
             </a:r>
             <a:endParaRPr lang="en-US" dirty="0"/>
           </a:p>
@@ -14095,28 +14185,18 @@
           <a:lstStyle/>
           <a:p>
             <a:r>
-              <a:rPr lang="bg-BG" dirty="0" smtClean="0"/>
+              <a:rPr lang="bg-BG" dirty="0"/>
               <a:t>Тествайте</a:t>
             </a:r>
             <a:r>
-              <a:rPr lang="en-US" dirty="0" smtClean="0"/>
-              <a:t> </a:t>
-            </a:r>
-            <a:r>
               <a:rPr lang="en-US" dirty="0"/>
-              <a:t>в Judge: </a:t>
+              <a:t> в Judge: </a:t>
             </a:r>
             <a:r>
               <a:rPr lang="en-US" dirty="0">
                 <a:hlinkClick r:id="rId2"/>
               </a:rPr>
-              <a:t>https://</a:t>
-            </a:r>
-            <a:r>
-              <a:rPr lang="en-US" dirty="0" smtClean="0">
-                <a:hlinkClick r:id="rId2"/>
-              </a:rPr>
-              <a:t>judge.softuni.bg/Contests/2662</a:t>
+              <a:t>https://judge.softuni.bg/Contests/2662</a:t>
             </a:r>
             <a:endParaRPr lang="en-US" dirty="0"/>
           </a:p>
@@ -14847,28 +14927,18 @@
           <a:lstStyle/>
           <a:p>
             <a:r>
-              <a:rPr lang="bg-BG" dirty="0" smtClean="0"/>
+              <a:rPr lang="bg-BG" dirty="0"/>
               <a:t>Тествайте</a:t>
             </a:r>
             <a:r>
-              <a:rPr lang="en-US" dirty="0" smtClean="0"/>
-              <a:t> </a:t>
-            </a:r>
-            <a:r>
               <a:rPr lang="en-US" dirty="0"/>
-              <a:t>в Judge: </a:t>
+              <a:t> в Judge: </a:t>
             </a:r>
             <a:r>
               <a:rPr lang="en-US" dirty="0">
                 <a:hlinkClick r:id="rId2"/>
               </a:rPr>
-              <a:t>https://</a:t>
-            </a:r>
-            <a:r>
-              <a:rPr lang="en-US" dirty="0" smtClean="0">
-                <a:hlinkClick r:id="rId2"/>
-              </a:rPr>
-              <a:t>judge.softuni.bg/Contests/2662</a:t>
+              <a:t>https://judge.softuni.bg/Contests/2662</a:t>
             </a:r>
             <a:endParaRPr lang="en-US" dirty="0"/>
           </a:p>
@@ -16072,28 +16142,18 @@
           <a:lstStyle/>
           <a:p>
             <a:r>
-              <a:rPr lang="bg-BG" dirty="0" smtClean="0"/>
+              <a:rPr lang="bg-BG" dirty="0"/>
               <a:t>Тествайте</a:t>
             </a:r>
             <a:r>
-              <a:rPr lang="en-US" dirty="0" smtClean="0"/>
-              <a:t> </a:t>
-            </a:r>
-            <a:r>
               <a:rPr lang="en-US" dirty="0"/>
-              <a:t>в Judge: </a:t>
+              <a:t> в Judge: </a:t>
             </a:r>
             <a:r>
               <a:rPr lang="en-US" dirty="0">
                 <a:hlinkClick r:id="rId2"/>
               </a:rPr>
-              <a:t>https://</a:t>
-            </a:r>
-            <a:r>
-              <a:rPr lang="en-US" dirty="0" smtClean="0">
-                <a:hlinkClick r:id="rId2"/>
-              </a:rPr>
-              <a:t>judge.softuni.bg/Contests/2662</a:t>
+              <a:t>https://judge.softuni.bg/Contests/2662</a:t>
             </a:r>
             <a:endParaRPr lang="en-US" dirty="0"/>
           </a:p>
@@ -18500,28 +18560,18 @@
           <a:lstStyle/>
           <a:p>
             <a:r>
-              <a:rPr lang="bg-BG" dirty="0" smtClean="0"/>
+              <a:rPr lang="bg-BG" dirty="0"/>
               <a:t>Тествайте</a:t>
             </a:r>
             <a:r>
-              <a:rPr lang="en-US" dirty="0" smtClean="0"/>
-              <a:t> </a:t>
-            </a:r>
-            <a:r>
               <a:rPr lang="en-US" dirty="0"/>
-              <a:t>в Judge: </a:t>
+              <a:t> в Judge: </a:t>
             </a:r>
             <a:r>
               <a:rPr lang="en-US" dirty="0">
                 <a:hlinkClick r:id="rId2"/>
               </a:rPr>
-              <a:t>https://</a:t>
-            </a:r>
-            <a:r>
-              <a:rPr lang="en-US" dirty="0" smtClean="0">
-                <a:hlinkClick r:id="rId2"/>
-              </a:rPr>
-              <a:t>judge.softuni.bg/Contests/2662</a:t>
+              <a:t>https://judge.softuni.bg/Contests/2662</a:t>
             </a:r>
             <a:endParaRPr lang="en-US" dirty="0"/>
           </a:p>
@@ -23415,28 +23465,18 @@
           <a:lstStyle/>
           <a:p>
             <a:r>
-              <a:rPr lang="bg-BG" dirty="0" smtClean="0"/>
+              <a:rPr lang="bg-BG" dirty="0"/>
               <a:t>Тествайте</a:t>
             </a:r>
             <a:r>
-              <a:rPr lang="en-US" dirty="0" smtClean="0"/>
-              <a:t> </a:t>
-            </a:r>
-            <a:r>
               <a:rPr lang="en-US" dirty="0"/>
-              <a:t>в Judge: </a:t>
+              <a:t> в Judge: </a:t>
             </a:r>
             <a:r>
               <a:rPr lang="en-US" dirty="0">
                 <a:hlinkClick r:id="rId2"/>
               </a:rPr>
-              <a:t>https://</a:t>
-            </a:r>
-            <a:r>
-              <a:rPr lang="en-US" dirty="0" smtClean="0">
-                <a:hlinkClick r:id="rId2"/>
-              </a:rPr>
-              <a:t>judge.softuni.bg/Contests/2662</a:t>
+              <a:t>https://judge.softuni.bg/Contests/2662</a:t>
             </a:r>
             <a:endParaRPr lang="en-US" dirty="0"/>
           </a:p>
@@ -24252,28 +24292,18 @@
           <a:lstStyle/>
           <a:p>
             <a:r>
-              <a:rPr lang="bg-BG" dirty="0" smtClean="0"/>
+              <a:rPr lang="bg-BG" dirty="0"/>
               <a:t>Тествайте</a:t>
             </a:r>
             <a:r>
-              <a:rPr lang="en-US" dirty="0" smtClean="0"/>
-              <a:t> </a:t>
-            </a:r>
-            <a:r>
               <a:rPr lang="en-US" dirty="0"/>
-              <a:t>в Judge: </a:t>
+              <a:t> в Judge: </a:t>
             </a:r>
             <a:r>
               <a:rPr lang="en-US" dirty="0">
                 <a:hlinkClick r:id="rId3"/>
               </a:rPr>
-              <a:t>https://</a:t>
-            </a:r>
-            <a:r>
-              <a:rPr lang="en-US" dirty="0" smtClean="0">
-                <a:hlinkClick r:id="rId3"/>
-              </a:rPr>
-              <a:t>judge.softuni.bg/Contests/2662</a:t>
+              <a:t>https://judge.softuni.bg/Contests/2662</a:t>
             </a:r>
             <a:endParaRPr lang="en-US" dirty="0"/>
           </a:p>
@@ -25084,28 +25114,18 @@
           <a:lstStyle/>
           <a:p>
             <a:r>
-              <a:rPr lang="bg-BG" dirty="0" smtClean="0"/>
+              <a:rPr lang="bg-BG" dirty="0"/>
               <a:t>Тествайте</a:t>
             </a:r>
             <a:r>
-              <a:rPr lang="en-US" dirty="0" smtClean="0"/>
-              <a:t> </a:t>
-            </a:r>
-            <a:r>
               <a:rPr lang="en-US" dirty="0"/>
-              <a:t>в Judge: </a:t>
+              <a:t> в Judge: </a:t>
             </a:r>
             <a:r>
               <a:rPr lang="en-US" dirty="0">
                 <a:hlinkClick r:id="rId2"/>
               </a:rPr>
-              <a:t>https://</a:t>
-            </a:r>
-            <a:r>
-              <a:rPr lang="en-US" dirty="0" smtClean="0">
-                <a:hlinkClick r:id="rId2"/>
-              </a:rPr>
-              <a:t>judge.softuni.bg/Contests/2662</a:t>
+              <a:t>https://judge.softuni.bg/Contests/2662</a:t>
             </a:r>
             <a:endParaRPr lang="en-US" dirty="0"/>
           </a:p>
@@ -26178,28 +26198,18 @@
           <a:lstStyle/>
           <a:p>
             <a:r>
-              <a:rPr lang="bg-BG" dirty="0" smtClean="0"/>
+              <a:rPr lang="bg-BG" dirty="0"/>
               <a:t>Тествайте</a:t>
             </a:r>
             <a:r>
-              <a:rPr lang="en-US" dirty="0" smtClean="0"/>
-              <a:t> </a:t>
-            </a:r>
-            <a:r>
               <a:rPr lang="en-US" dirty="0"/>
-              <a:t>в Judge: </a:t>
+              <a:t> в Judge: </a:t>
             </a:r>
             <a:r>
               <a:rPr lang="en-US" dirty="0">
                 <a:hlinkClick r:id="rId2"/>
               </a:rPr>
-              <a:t>https://</a:t>
-            </a:r>
-            <a:r>
-              <a:rPr lang="en-US" dirty="0" smtClean="0">
-                <a:hlinkClick r:id="rId2"/>
-              </a:rPr>
-              <a:t>judge.softuni.bg/Contests/2662</a:t>
+              <a:t>https://judge.softuni.bg/Contests/2662</a:t>
             </a:r>
             <a:endParaRPr lang="en-US" dirty="0"/>
           </a:p>
@@ -30517,28 +30527,18 @@
           <a:lstStyle/>
           <a:p>
             <a:r>
-              <a:rPr lang="bg-BG" dirty="0" smtClean="0"/>
+              <a:rPr lang="bg-BG" dirty="0"/>
               <a:t>Тествайте</a:t>
             </a:r>
             <a:r>
-              <a:rPr lang="en-US" dirty="0" smtClean="0"/>
-              <a:t> </a:t>
-            </a:r>
-            <a:r>
               <a:rPr lang="en-US" dirty="0"/>
-              <a:t>в Judge: </a:t>
+              <a:t> в Judge: </a:t>
             </a:r>
             <a:r>
               <a:rPr lang="en-US" dirty="0">
                 <a:hlinkClick r:id="rId2"/>
               </a:rPr>
-              <a:t>https://</a:t>
-            </a:r>
-            <a:r>
-              <a:rPr lang="en-US" dirty="0" smtClean="0">
-                <a:hlinkClick r:id="rId2"/>
-              </a:rPr>
-              <a:t>judge.softuni.bg/Contests/2662</a:t>
+              <a:t>https://judge.softuni.bg/Contests/2662</a:t>
             </a:r>
             <a:endParaRPr lang="en-US" dirty="0"/>
           </a:p>
@@ -31032,37 +31032,136 @@
       </p:sp>
       <p:sp>
         <p:nvSpPr>
-          <p:cNvPr id="3" name="Text Placeholder 2"/>
-          <p:cNvSpPr>
-            <a:spLocks noGrp="1"/>
+          <p:cNvPr id="6" name="Text Placeholder 11">
+            <a:extLst>
+              <a:ext uri="{FF2B5EF4-FFF2-40B4-BE49-F238E27FC236}">
+                <a16:creationId xmlns:a16="http://schemas.microsoft.com/office/drawing/2014/main" id="{3B138F37-FBD7-4E9C-804C-79515DDF78E6}"/>
+              </a:ext>
+            </a:extLst>
+          </p:cNvPr>
+          <p:cNvSpPr txBox="1">
+            <a:spLocks/>
           </p:cNvSpPr>
-          <p:nvPr>
-            <p:ph type="body" sz="quarter" idx="10"/>
-          </p:nvPr>
+          <p:nvPr/>
         </p:nvSpPr>
-        <p:spPr>
+        <p:spPr bwMode="auto">
           <a:xfrm>
-            <a:off x="1529384" y="6400802"/>
-            <a:ext cx="10482604" cy="351754"/>
+            <a:off x="303212" y="6400800"/>
+            <a:ext cx="11885613" cy="349702"/>
           </a:xfrm>
+          <a:prstGeom prst="rect">
+            <a:avLst/>
+          </a:prstGeom>
+          <a:noFill/>
+          <a:effectLst/>
         </p:spPr>
         <p:txBody>
-          <a:bodyPr/>
-          <a:lstStyle/>
-          <a:p>
-            <a:r>
-              <a:rPr lang="en-US" dirty="0">
+          <a:bodyPr vert="horz" wrap="square" lIns="36000" tIns="36000" rIns="36000" bIns="36000" rtlCol="0" anchor="ctr" anchorCtr="0">
+            <a:spAutoFit/>
+          </a:bodyPr>
+          <a:lstStyle>
+            <a:defPPr>
+              <a:defRPr lang="en-US"/>
+            </a:defPPr>
+            <a:lvl1pPr marL="0" algn="l" defTabSz="1218987" rtl="0" eaLnBrk="1" latinLnBrk="0" hangingPunct="1">
+              <a:defRPr sz="2400" kern="1200">
+                <a:solidFill>
+                  <a:schemeClr val="tx1"/>
+                </a:solidFill>
+                <a:latin typeface="+mn-lt"/>
+                <a:ea typeface="+mn-ea"/>
+                <a:cs typeface="+mn-cs"/>
+              </a:defRPr>
+            </a:lvl1pPr>
+            <a:lvl2pPr marL="609493" algn="l" defTabSz="1218987" rtl="0" eaLnBrk="1" latinLnBrk="0" hangingPunct="1">
+              <a:defRPr sz="2400" kern="1200">
+                <a:solidFill>
+                  <a:schemeClr val="tx1"/>
+                </a:solidFill>
+                <a:latin typeface="+mn-lt"/>
+                <a:ea typeface="+mn-ea"/>
+                <a:cs typeface="+mn-cs"/>
+              </a:defRPr>
+            </a:lvl2pPr>
+            <a:lvl3pPr marL="1218987" algn="l" defTabSz="1218987" rtl="0" eaLnBrk="1" latinLnBrk="0" hangingPunct="1">
+              <a:defRPr sz="2400" kern="1200">
+                <a:solidFill>
+                  <a:schemeClr val="tx1"/>
+                </a:solidFill>
+                <a:latin typeface="+mn-lt"/>
+                <a:ea typeface="+mn-ea"/>
+                <a:cs typeface="+mn-cs"/>
+              </a:defRPr>
+            </a:lvl3pPr>
+            <a:lvl4pPr marL="1828480" algn="l" defTabSz="1218987" rtl="0" eaLnBrk="1" latinLnBrk="0" hangingPunct="1">
+              <a:defRPr sz="2400" kern="1200">
+                <a:solidFill>
+                  <a:schemeClr val="tx1"/>
+                </a:solidFill>
+                <a:latin typeface="+mn-lt"/>
+                <a:ea typeface="+mn-ea"/>
+                <a:cs typeface="+mn-cs"/>
+              </a:defRPr>
+            </a:lvl4pPr>
+            <a:lvl5pPr marL="2437973" algn="l" defTabSz="1218987" rtl="0" eaLnBrk="1" latinLnBrk="0" hangingPunct="1">
+              <a:defRPr sz="2400" kern="1200">
+                <a:solidFill>
+                  <a:schemeClr val="tx1"/>
+                </a:solidFill>
+                <a:latin typeface="+mn-lt"/>
+                <a:ea typeface="+mn-ea"/>
+                <a:cs typeface="+mn-cs"/>
+              </a:defRPr>
+            </a:lvl5pPr>
+            <a:lvl6pPr marL="3047467" algn="l" defTabSz="1218987" rtl="0" eaLnBrk="1" latinLnBrk="0" hangingPunct="1">
+              <a:defRPr sz="2400" kern="1200">
+                <a:solidFill>
+                  <a:schemeClr val="tx1"/>
+                </a:solidFill>
+                <a:latin typeface="+mn-lt"/>
+                <a:ea typeface="+mn-ea"/>
+                <a:cs typeface="+mn-cs"/>
+              </a:defRPr>
+            </a:lvl6pPr>
+            <a:lvl7pPr marL="3656960" algn="l" defTabSz="1218987" rtl="0" eaLnBrk="1" latinLnBrk="0" hangingPunct="1">
+              <a:defRPr sz="2400" kern="1200">
+                <a:solidFill>
+                  <a:schemeClr val="tx1"/>
+                </a:solidFill>
+                <a:latin typeface="+mn-lt"/>
+                <a:ea typeface="+mn-ea"/>
+                <a:cs typeface="+mn-cs"/>
+              </a:defRPr>
+            </a:lvl7pPr>
+            <a:lvl8pPr marL="4266453" algn="l" defTabSz="1218987" rtl="0" eaLnBrk="1" latinLnBrk="0" hangingPunct="1">
+              <a:defRPr sz="2400" kern="1200">
+                <a:solidFill>
+                  <a:schemeClr val="tx1"/>
+                </a:solidFill>
+                <a:latin typeface="+mn-lt"/>
+                <a:ea typeface="+mn-ea"/>
+                <a:cs typeface="+mn-cs"/>
+              </a:defRPr>
+            </a:lvl8pPr>
+            <a:lvl9pPr marL="4875947" algn="l" defTabSz="1218987" rtl="0" eaLnBrk="1" latinLnBrk="0" hangingPunct="1">
+              <a:defRPr sz="2400" kern="1200">
+                <a:solidFill>
+                  <a:schemeClr val="tx1"/>
+                </a:solidFill>
+                <a:latin typeface="+mn-lt"/>
+                <a:ea typeface="+mn-ea"/>
+                <a:cs typeface="+mn-cs"/>
+              </a:defRPr>
+            </a:lvl9pPr>
+          </a:lstStyle>
+          <a:p>
+            <a:r>
+              <a:rPr lang="en-US" sz="1800" b="1" dirty="0">
                 <a:hlinkClick r:id="rId3"/>
               </a:rPr>
-              <a:t>https://it-kariera.mon.bg/</a:t>
-            </a:r>
-            <a:r>
-              <a:rPr lang="en-US">
-                <a:hlinkClick r:id="rId3"/>
-              </a:rPr>
-              <a:t>e-learning/</a:t>
-            </a:r>
-            <a:endParaRPr lang="en-US" dirty="0"/>
+              <a:t>https://github.com/BG-IT-Edu/School-Programming/tree/main/Courses/Applied-Programmer/Programming-Fundamentals</a:t>
+            </a:r>
+            <a:endParaRPr lang="en-GB" sz="1800" b="1" dirty="0"/>
           </a:p>
         </p:txBody>
       </p:sp>
@@ -38054,28 +38153,18 @@
           <a:lstStyle/>
           <a:p>
             <a:r>
-              <a:rPr lang="bg-BG" dirty="0" smtClean="0"/>
+              <a:rPr lang="bg-BG" dirty="0"/>
               <a:t>Тествайте</a:t>
             </a:r>
             <a:r>
-              <a:rPr lang="en-US" dirty="0" smtClean="0"/>
-              <a:t> </a:t>
-            </a:r>
-            <a:r>
               <a:rPr lang="en-US" dirty="0"/>
-              <a:t>в Judge: </a:t>
+              <a:t> в Judge: </a:t>
             </a:r>
             <a:r>
               <a:rPr lang="en-US" dirty="0">
                 <a:hlinkClick r:id="rId2"/>
               </a:rPr>
-              <a:t>https://</a:t>
-            </a:r>
-            <a:r>
-              <a:rPr lang="en-US" dirty="0" smtClean="0">
-                <a:hlinkClick r:id="rId2"/>
-              </a:rPr>
-              <a:t>judge.softuni.bg/Contests/2662</a:t>
+              <a:t>https://judge.softuni.bg/Contests/2662</a:t>
             </a:r>
             <a:endParaRPr lang="en-US" dirty="0"/>
           </a:p>

--- a/Courses/Applied-Programmer/Programming-Fundamentals/04-Дебъгване/19.Методи.pptx
+++ b/Courses/Applied-Programmer/Programming-Fundamentals/04-Дебъгване/19.Методи.pptx
@@ -399,7 +399,7 @@
             <a:fld id="{FE5B4EDC-59C0-49C7-8ADA-5A781B329E02}" type="datetimeFigureOut">
               <a:rPr lang="en-US"/>
               <a:pPr/>
-              <a:t>19-Nov-20</a:t>
+              <a:t>21-Nov-20</a:t>
             </a:fld>
             <a:endParaRPr dirty="0"/>
           </a:p>
@@ -697,7 +697,7 @@
             <a:fld id="{F2D8D46A-B586-417D-BFBD-8C8FE0AAF762}" type="datetimeFigureOut">
               <a:rPr lang="en-US" smtClean="0"/>
               <a:pPr/>
-              <a:t>19-Nov-20</a:t>
+              <a:t>21-Nov-20</a:t>
             </a:fld>
             <a:endParaRPr lang="en-US" dirty="0"/>
           </a:p>
@@ -6267,6 +6267,104 @@
                                         <p:tgtEl>
                                           <p:spTgt spid="3">
                                             <p:txEl>
+                                              <p:pRg st="1" end="1"/>
+                                            </p:txEl>
+                                          </p:spTgt>
+                                        </p:tgtEl>
+                                        <p:attrNameLst>
+                                          <p:attrName>style.visibility</p:attrName>
+                                        </p:attrNameLst>
+                                      </p:cBhvr>
+                                      <p:to>
+                                        <p:strVal val="visible"/>
+                                      </p:to>
+                                    </p:set>
+                                  </p:childTnLst>
+                                </p:cTn>
+                              </p:par>
+                            </p:childTnLst>
+                          </p:cTn>
+                        </p:par>
+                      </p:childTnLst>
+                    </p:cTn>
+                  </p:par>
+                  <p:par>
+                    <p:cTn id="7" fill="hold">
+                      <p:stCondLst>
+                        <p:cond delay="indefinite"/>
+                      </p:stCondLst>
+                      <p:childTnLst>
+                        <p:par>
+                          <p:cTn id="8" fill="hold">
+                            <p:stCondLst>
+                              <p:cond delay="0"/>
+                            </p:stCondLst>
+                            <p:childTnLst>
+                              <p:par>
+                                <p:cTn id="9" presetID="1" presetClass="entr" presetSubtype="0" fill="hold" nodeType="clickEffect">
+                                  <p:stCondLst>
+                                    <p:cond delay="0"/>
+                                  </p:stCondLst>
+                                  <p:childTnLst>
+                                    <p:set>
+                                      <p:cBhvr>
+                                        <p:cTn id="10" dur="1" fill="hold">
+                                          <p:stCondLst>
+                                            <p:cond delay="0"/>
+                                          </p:stCondLst>
+                                        </p:cTn>
+                                        <p:tgtEl>
+                                          <p:spTgt spid="3">
+                                            <p:txEl>
+                                              <p:pRg st="2" end="2"/>
+                                            </p:txEl>
+                                          </p:spTgt>
+                                        </p:tgtEl>
+                                        <p:attrNameLst>
+                                          <p:attrName>style.visibility</p:attrName>
+                                        </p:attrNameLst>
+                                      </p:cBhvr>
+                                      <p:to>
+                                        <p:strVal val="visible"/>
+                                      </p:to>
+                                    </p:set>
+                                  </p:childTnLst>
+                                </p:cTn>
+                              </p:par>
+                            </p:childTnLst>
+                          </p:cTn>
+                        </p:par>
+                      </p:childTnLst>
+                    </p:cTn>
+                  </p:par>
+                  <p:par>
+                    <p:cTn id="11" fill="hold">
+                      <p:stCondLst>
+                        <p:cond delay="indefinite"/>
+                      </p:stCondLst>
+                      <p:childTnLst>
+                        <p:par>
+                          <p:cTn id="12" fill="hold">
+                            <p:stCondLst>
+                              <p:cond delay="0"/>
+                            </p:stCondLst>
+                            <p:childTnLst>
+                              <p:par>
+                                <p:cTn id="13" presetID="1" presetClass="entr" presetSubtype="0" fill="hold" nodeType="clickEffect">
+                                  <p:stCondLst>
+                                    <p:cond delay="0"/>
+                                  </p:stCondLst>
+                                  <p:childTnLst>
+                                    <p:set>
+                                      <p:cBhvr>
+                                        <p:cTn id="14" dur="1" fill="hold">
+                                          <p:stCondLst>
+                                            <p:cond delay="0"/>
+                                          </p:stCondLst>
+                                        </p:cTn>
+                                        <p:tgtEl>
+                                          <p:spTgt spid="3">
+                                            <p:txEl>
                                               <p:pRg st="3" end="3"/>
                                             </p:txEl>
                                           </p:spTgt>
@@ -6283,14 +6381,14 @@
                                 </p:cTn>
                               </p:par>
                               <p:par>
-                                <p:cTn id="7" presetID="1" presetClass="entr" presetSubtype="0" fill="hold" grpId="0" nodeType="withEffect">
+                                <p:cTn id="15" presetID="1" presetClass="entr" presetSubtype="0" fill="hold" grpId="0" nodeType="withEffect">
                                   <p:stCondLst>
                                     <p:cond delay="0"/>
                                   </p:stCondLst>
                                   <p:childTnLst>
                                     <p:set>
                                       <p:cBhvr>
-                                        <p:cTn id="8" dur="1" fill="hold">
+                                        <p:cTn id="16" dur="1" fill="hold">
                                           <p:stCondLst>
                                             <p:cond delay="0"/>
                                           </p:stCondLst>
@@ -6310,14 +6408,14 @@
                                 </p:cTn>
                               </p:par>
                               <p:par>
-                                <p:cTn id="9" presetID="1" presetClass="entr" presetSubtype="0" fill="hold" grpId="0" nodeType="withEffect">
+                                <p:cTn id="17" presetID="1" presetClass="entr" presetSubtype="0" fill="hold" grpId="0" nodeType="withEffect">
                                   <p:stCondLst>
                                     <p:cond delay="0"/>
                                   </p:stCondLst>
                                   <p:childTnLst>
                                     <p:set>
                                       <p:cBhvr>
-                                        <p:cTn id="10" dur="1" fill="hold">
+                                        <p:cTn id="18" dur="1" fill="hold">
                                           <p:stCondLst>
                                             <p:cond delay="0"/>
                                           </p:stCondLst>
@@ -6337,20 +6435,65 @@
                                 </p:cTn>
                               </p:par>
                               <p:par>
-                                <p:cTn id="11" presetID="1" presetClass="entr" presetSubtype="0" fill="hold" nodeType="withEffect">
+                                <p:cTn id="19" presetID="1" presetClass="entr" presetSubtype="0" fill="hold" nodeType="withEffect">
                                   <p:stCondLst>
                                     <p:cond delay="0"/>
                                   </p:stCondLst>
                                   <p:childTnLst>
                                     <p:set>
                                       <p:cBhvr>
-                                        <p:cTn id="12" dur="1" fill="hold">
+                                        <p:cTn id="20" dur="1" fill="hold">
                                           <p:stCondLst>
                                             <p:cond delay="0"/>
                                           </p:stCondLst>
                                         </p:cTn>
                                         <p:tgtEl>
                                           <p:spTgt spid="5"/>
+                                        </p:tgtEl>
+                                        <p:attrNameLst>
+                                          <p:attrName>style.visibility</p:attrName>
+                                        </p:attrNameLst>
+                                      </p:cBhvr>
+                                      <p:to>
+                                        <p:strVal val="visible"/>
+                                      </p:to>
+                                    </p:set>
+                                  </p:childTnLst>
+                                </p:cTn>
+                              </p:par>
+                            </p:childTnLst>
+                          </p:cTn>
+                        </p:par>
+                      </p:childTnLst>
+                    </p:cTn>
+                  </p:par>
+                  <p:par>
+                    <p:cTn id="21" fill="hold">
+                      <p:stCondLst>
+                        <p:cond delay="indefinite"/>
+                      </p:stCondLst>
+                      <p:childTnLst>
+                        <p:par>
+                          <p:cTn id="22" fill="hold">
+                            <p:stCondLst>
+                              <p:cond delay="0"/>
+                            </p:stCondLst>
+                            <p:childTnLst>
+                              <p:par>
+                                <p:cTn id="23" presetID="1" presetClass="entr" presetSubtype="0" fill="hold" grpId="0" nodeType="clickEffect">
+                                  <p:stCondLst>
+                                    <p:cond delay="0"/>
+                                  </p:stCondLst>
+                                  <p:childTnLst>
+                                    <p:set>
+                                      <p:cBhvr>
+                                        <p:cTn id="24" dur="1" fill="hold">
+                                          <p:stCondLst>
+                                            <p:cond delay="0"/>
+                                          </p:stCondLst>
+                                        </p:cTn>
+                                        <p:tgtEl>
+                                          <p:spTgt spid="9"/>
                                         </p:tgtEl>
                                         <p:attrNameLst>
                                           <p:attrName>style.visibility</p:attrName>
@@ -6393,6 +6536,7 @@
     <p:bldLst>
       <p:bldP spid="21" grpId="0" animBg="1"/>
       <p:bldP spid="22" grpId="0" animBg="1"/>
+      <p:bldP spid="9" grpId="0"/>
     </p:bldLst>
   </p:timing>
 </p:sld>
@@ -9714,7 +9858,7 @@
                             </p:stCondLst>
                             <p:childTnLst>
                               <p:par>
-                                <p:cTn id="5" presetID="1" presetClass="entr" presetSubtype="0" fill="hold" grpId="0" nodeType="clickEffect">
+                                <p:cTn id="5" presetID="1" presetClass="entr" presetSubtype="0" fill="hold" nodeType="clickEffect">
                                   <p:stCondLst>
                                     <p:cond delay="0"/>
                                   </p:stCondLst>
@@ -9727,7 +9871,11 @@
                                           </p:stCondLst>
                                         </p:cTn>
                                         <p:tgtEl>
-                                          <p:spTgt spid="5"/>
+                                          <p:spTgt spid="3">
+                                            <p:txEl>
+                                              <p:pRg st="1" end="1"/>
+                                            </p:txEl>
+                                          </p:spTgt>
                                         </p:tgtEl>
                                         <p:attrNameLst>
                                           <p:attrName>style.visibility</p:attrName>
@@ -9759,7 +9907,7 @@
                             </p:stCondLst>
                             <p:childTnLst>
                               <p:par>
-                                <p:cTn id="9" presetID="1" presetClass="entr" presetSubtype="0" fill="hold" grpId="0" nodeType="clickEffect">
+                                <p:cTn id="9" presetID="1" presetClass="entr" presetSubtype="0" fill="hold" nodeType="clickEffect">
                                   <p:stCondLst>
                                     <p:cond delay="0"/>
                                   </p:stCondLst>
@@ -9767,6 +9915,100 @@
                                     <p:set>
                                       <p:cBhvr>
                                         <p:cTn id="10" dur="1" fill="hold">
+                                          <p:stCondLst>
+                                            <p:cond delay="0"/>
+                                          </p:stCondLst>
+                                        </p:cTn>
+                                        <p:tgtEl>
+                                          <p:spTgt spid="3">
+                                            <p:txEl>
+                                              <p:pRg st="2" end="2"/>
+                                            </p:txEl>
+                                          </p:spTgt>
+                                        </p:tgtEl>
+                                        <p:attrNameLst>
+                                          <p:attrName>style.visibility</p:attrName>
+                                        </p:attrNameLst>
+                                      </p:cBhvr>
+                                      <p:to>
+                                        <p:strVal val="visible"/>
+                                      </p:to>
+                                    </p:set>
+                                  </p:childTnLst>
+                                </p:cTn>
+                              </p:par>
+                            </p:childTnLst>
+                          </p:cTn>
+                        </p:par>
+                      </p:childTnLst>
+                    </p:cTn>
+                  </p:par>
+                  <p:par>
+                    <p:cTn id="11" fill="hold">
+                      <p:stCondLst>
+                        <p:cond delay="indefinite"/>
+                      </p:stCondLst>
+                      <p:childTnLst>
+                        <p:par>
+                          <p:cTn id="12" fill="hold">
+                            <p:stCondLst>
+                              <p:cond delay="0"/>
+                            </p:stCondLst>
+                            <p:childTnLst>
+                              <p:par>
+                                <p:cTn id="13" presetID="1" presetClass="entr" presetSubtype="0" fill="hold" grpId="0" nodeType="clickEffect">
+                                  <p:stCondLst>
+                                    <p:cond delay="0"/>
+                                  </p:stCondLst>
+                                  <p:childTnLst>
+                                    <p:set>
+                                      <p:cBhvr>
+                                        <p:cTn id="14" dur="1" fill="hold">
+                                          <p:stCondLst>
+                                            <p:cond delay="0"/>
+                                          </p:stCondLst>
+                                        </p:cTn>
+                                        <p:tgtEl>
+                                          <p:spTgt spid="5"/>
+                                        </p:tgtEl>
+                                        <p:attrNameLst>
+                                          <p:attrName>style.visibility</p:attrName>
+                                        </p:attrNameLst>
+                                      </p:cBhvr>
+                                      <p:to>
+                                        <p:strVal val="visible"/>
+                                      </p:to>
+                                    </p:set>
+                                  </p:childTnLst>
+                                </p:cTn>
+                              </p:par>
+                            </p:childTnLst>
+                          </p:cTn>
+                        </p:par>
+                      </p:childTnLst>
+                    </p:cTn>
+                  </p:par>
+                  <p:par>
+                    <p:cTn id="15" fill="hold">
+                      <p:stCondLst>
+                        <p:cond delay="indefinite"/>
+                      </p:stCondLst>
+                      <p:childTnLst>
+                        <p:par>
+                          <p:cTn id="16" fill="hold">
+                            <p:stCondLst>
+                              <p:cond delay="0"/>
+                            </p:stCondLst>
+                            <p:childTnLst>
+                              <p:par>
+                                <p:cTn id="17" presetID="1" presetClass="entr" presetSubtype="0" fill="hold" grpId="0" nodeType="clickEffect">
+                                  <p:stCondLst>
+                                    <p:cond delay="0"/>
+                                  </p:stCondLst>
+                                  <p:childTnLst>
+                                    <p:set>
+                                      <p:cBhvr>
+                                        <p:cTn id="18" dur="1" fill="hold">
                                           <p:stCondLst>
                                             <p:cond delay="0"/>
                                           </p:stCondLst>
@@ -9786,14 +10028,14 @@
                                 </p:cTn>
                               </p:par>
                               <p:par>
-                                <p:cTn id="11" presetID="1" presetClass="entr" presetSubtype="0" fill="hold" grpId="0" nodeType="withEffect">
+                                <p:cTn id="19" presetID="1" presetClass="entr" presetSubtype="0" fill="hold" grpId="0" nodeType="withEffect">
                                   <p:stCondLst>
                                     <p:cond delay="0"/>
                                   </p:stCondLst>
                                   <p:childTnLst>
                                     <p:set>
                                       <p:cBhvr>
-                                        <p:cTn id="12" dur="1" fill="hold">
+                                        <p:cTn id="20" dur="1" fill="hold">
                                           <p:stCondLst>
                                             <p:cond delay="0"/>
                                           </p:stCondLst>
@@ -9819,26 +10061,26 @@
                     </p:cTn>
                   </p:par>
                   <p:par>
-                    <p:cTn id="13" fill="hold">
+                    <p:cTn id="21" fill="hold">
                       <p:stCondLst>
                         <p:cond delay="indefinite"/>
                       </p:stCondLst>
                       <p:childTnLst>
                         <p:par>
-                          <p:cTn id="14" fill="hold">
+                          <p:cTn id="22" fill="hold">
                             <p:stCondLst>
                               <p:cond delay="0"/>
                             </p:stCondLst>
                             <p:childTnLst>
                               <p:par>
-                                <p:cTn id="15" presetID="1" presetClass="entr" presetSubtype="0" fill="hold" grpId="0" nodeType="clickEffect">
+                                <p:cTn id="23" presetID="1" presetClass="entr" presetSubtype="0" fill="hold" grpId="0" nodeType="clickEffect">
                                   <p:stCondLst>
                                     <p:cond delay="0"/>
                                   </p:stCondLst>
                                   <p:childTnLst>
                                     <p:set>
                                       <p:cBhvr>
-                                        <p:cTn id="16" dur="1" fill="hold">
+                                        <p:cTn id="24" dur="1" fill="hold">
                                           <p:stCondLst>
                                             <p:cond delay="0"/>
                                           </p:stCondLst>
@@ -9864,26 +10106,26 @@
                     </p:cTn>
                   </p:par>
                   <p:par>
-                    <p:cTn id="17" fill="hold">
+                    <p:cTn id="25" fill="hold">
                       <p:stCondLst>
                         <p:cond delay="indefinite"/>
                       </p:stCondLst>
                       <p:childTnLst>
                         <p:par>
-                          <p:cTn id="18" fill="hold">
+                          <p:cTn id="26" fill="hold">
                             <p:stCondLst>
                               <p:cond delay="0"/>
                             </p:stCondLst>
                             <p:childTnLst>
                               <p:par>
-                                <p:cTn id="19" presetID="1" presetClass="entr" presetSubtype="0" fill="hold" grpId="0" nodeType="clickEffect">
+                                <p:cTn id="27" presetID="1" presetClass="entr" presetSubtype="0" fill="hold" grpId="0" nodeType="clickEffect">
                                   <p:stCondLst>
                                     <p:cond delay="0"/>
                                   </p:stCondLst>
                                   <p:childTnLst>
                                     <p:set>
                                       <p:cBhvr>
-                                        <p:cTn id="20" dur="1" fill="hold">
+                                        <p:cTn id="28" dur="1" fill="hold">
                                           <p:stCondLst>
                                             <p:cond delay="0"/>
                                           </p:stCondLst>
@@ -10804,6 +11046,354 @@
   <p:clrMapOvr>
     <a:masterClrMapping/>
   </p:clrMapOvr>
+  <p:timing>
+    <p:tnLst>
+      <p:par>
+        <p:cTn id="1" dur="indefinite" restart="never" nodeType="tmRoot">
+          <p:childTnLst>
+            <p:seq concurrent="1" nextAc="seek">
+              <p:cTn id="2" dur="indefinite" nodeType="mainSeq">
+                <p:childTnLst>
+                  <p:par>
+                    <p:cTn id="3" fill="hold">
+                      <p:stCondLst>
+                        <p:cond delay="indefinite"/>
+                      </p:stCondLst>
+                      <p:childTnLst>
+                        <p:par>
+                          <p:cTn id="4" fill="hold">
+                            <p:stCondLst>
+                              <p:cond delay="0"/>
+                            </p:stCondLst>
+                            <p:childTnLst>
+                              <p:par>
+                                <p:cTn id="5" presetID="1" presetClass="entr" presetSubtype="0" fill="hold" grpId="0" nodeType="clickEffect">
+                                  <p:stCondLst>
+                                    <p:cond delay="0"/>
+                                  </p:stCondLst>
+                                  <p:childTnLst>
+                                    <p:set>
+                                      <p:cBhvr>
+                                        <p:cTn id="6" dur="1" fill="hold">
+                                          <p:stCondLst>
+                                            <p:cond delay="0"/>
+                                          </p:stCondLst>
+                                        </p:cTn>
+                                        <p:tgtEl>
+                                          <p:spTgt spid="11"/>
+                                        </p:tgtEl>
+                                        <p:attrNameLst>
+                                          <p:attrName>style.visibility</p:attrName>
+                                        </p:attrNameLst>
+                                      </p:cBhvr>
+                                      <p:to>
+                                        <p:strVal val="visible"/>
+                                      </p:to>
+                                    </p:set>
+                                  </p:childTnLst>
+                                </p:cTn>
+                              </p:par>
+                              <p:par>
+                                <p:cTn id="7" presetID="1" presetClass="entr" presetSubtype="0" fill="hold" grpId="0" nodeType="withEffect">
+                                  <p:stCondLst>
+                                    <p:cond delay="0"/>
+                                  </p:stCondLst>
+                                  <p:childTnLst>
+                                    <p:set>
+                                      <p:cBhvr>
+                                        <p:cTn id="8" dur="1" fill="hold">
+                                          <p:stCondLst>
+                                            <p:cond delay="0"/>
+                                          </p:stCondLst>
+                                        </p:cTn>
+                                        <p:tgtEl>
+                                          <p:spTgt spid="12"/>
+                                        </p:tgtEl>
+                                        <p:attrNameLst>
+                                          <p:attrName>style.visibility</p:attrName>
+                                        </p:attrNameLst>
+                                      </p:cBhvr>
+                                      <p:to>
+                                        <p:strVal val="visible"/>
+                                      </p:to>
+                                    </p:set>
+                                  </p:childTnLst>
+                                </p:cTn>
+                              </p:par>
+                              <p:par>
+                                <p:cTn id="9" presetID="1" presetClass="entr" presetSubtype="0" fill="hold" grpId="0" nodeType="withEffect">
+                                  <p:stCondLst>
+                                    <p:cond delay="0"/>
+                                  </p:stCondLst>
+                                  <p:childTnLst>
+                                    <p:set>
+                                      <p:cBhvr>
+                                        <p:cTn id="10" dur="1" fill="hold">
+                                          <p:stCondLst>
+                                            <p:cond delay="0"/>
+                                          </p:stCondLst>
+                                        </p:cTn>
+                                        <p:tgtEl>
+                                          <p:spTgt spid="13"/>
+                                        </p:tgtEl>
+                                        <p:attrNameLst>
+                                          <p:attrName>style.visibility</p:attrName>
+                                        </p:attrNameLst>
+                                      </p:cBhvr>
+                                      <p:to>
+                                        <p:strVal val="visible"/>
+                                      </p:to>
+                                    </p:set>
+                                  </p:childTnLst>
+                                </p:cTn>
+                              </p:par>
+                              <p:par>
+                                <p:cTn id="11" presetID="1" presetClass="entr" presetSubtype="0" fill="hold" grpId="0" nodeType="withEffect">
+                                  <p:stCondLst>
+                                    <p:cond delay="0"/>
+                                  </p:stCondLst>
+                                  <p:childTnLst>
+                                    <p:set>
+                                      <p:cBhvr>
+                                        <p:cTn id="12" dur="1" fill="hold">
+                                          <p:stCondLst>
+                                            <p:cond delay="0"/>
+                                          </p:stCondLst>
+                                        </p:cTn>
+                                        <p:tgtEl>
+                                          <p:spTgt spid="14"/>
+                                        </p:tgtEl>
+                                        <p:attrNameLst>
+                                          <p:attrName>style.visibility</p:attrName>
+                                        </p:attrNameLst>
+                                      </p:cBhvr>
+                                      <p:to>
+                                        <p:strVal val="visible"/>
+                                      </p:to>
+                                    </p:set>
+                                  </p:childTnLst>
+                                </p:cTn>
+                              </p:par>
+                              <p:par>
+                                <p:cTn id="13" presetID="1" presetClass="entr" presetSubtype="0" fill="hold" grpId="0" nodeType="withEffect">
+                                  <p:stCondLst>
+                                    <p:cond delay="0"/>
+                                  </p:stCondLst>
+                                  <p:childTnLst>
+                                    <p:set>
+                                      <p:cBhvr>
+                                        <p:cTn id="14" dur="1" fill="hold">
+                                          <p:stCondLst>
+                                            <p:cond delay="0"/>
+                                          </p:stCondLst>
+                                        </p:cTn>
+                                        <p:tgtEl>
+                                          <p:spTgt spid="15"/>
+                                        </p:tgtEl>
+                                        <p:attrNameLst>
+                                          <p:attrName>style.visibility</p:attrName>
+                                        </p:attrNameLst>
+                                      </p:cBhvr>
+                                      <p:to>
+                                        <p:strVal val="visible"/>
+                                      </p:to>
+                                    </p:set>
+                                  </p:childTnLst>
+                                </p:cTn>
+                              </p:par>
+                              <p:par>
+                                <p:cTn id="15" presetID="1" presetClass="entr" presetSubtype="0" fill="hold" grpId="0" nodeType="withEffect">
+                                  <p:stCondLst>
+                                    <p:cond delay="0"/>
+                                  </p:stCondLst>
+                                  <p:childTnLst>
+                                    <p:set>
+                                      <p:cBhvr>
+                                        <p:cTn id="16" dur="1" fill="hold">
+                                          <p:stCondLst>
+                                            <p:cond delay="0"/>
+                                          </p:stCondLst>
+                                        </p:cTn>
+                                        <p:tgtEl>
+                                          <p:spTgt spid="16"/>
+                                        </p:tgtEl>
+                                        <p:attrNameLst>
+                                          <p:attrName>style.visibility</p:attrName>
+                                        </p:attrNameLst>
+                                      </p:cBhvr>
+                                      <p:to>
+                                        <p:strVal val="visible"/>
+                                      </p:to>
+                                    </p:set>
+                                  </p:childTnLst>
+                                </p:cTn>
+                              </p:par>
+                              <p:par>
+                                <p:cTn id="17" presetID="1" presetClass="entr" presetSubtype="0" fill="hold" grpId="0" nodeType="withEffect">
+                                  <p:stCondLst>
+                                    <p:cond delay="0"/>
+                                  </p:stCondLst>
+                                  <p:childTnLst>
+                                    <p:set>
+                                      <p:cBhvr>
+                                        <p:cTn id="18" dur="1" fill="hold">
+                                          <p:stCondLst>
+                                            <p:cond delay="0"/>
+                                          </p:stCondLst>
+                                        </p:cTn>
+                                        <p:tgtEl>
+                                          <p:spTgt spid="18"/>
+                                        </p:tgtEl>
+                                        <p:attrNameLst>
+                                          <p:attrName>style.visibility</p:attrName>
+                                        </p:attrNameLst>
+                                      </p:cBhvr>
+                                      <p:to>
+                                        <p:strVal val="visible"/>
+                                      </p:to>
+                                    </p:set>
+                                  </p:childTnLst>
+                                </p:cTn>
+                              </p:par>
+                              <p:par>
+                                <p:cTn id="19" presetID="1" presetClass="entr" presetSubtype="0" fill="hold" grpId="0" nodeType="withEffect">
+                                  <p:stCondLst>
+                                    <p:cond delay="0"/>
+                                  </p:stCondLst>
+                                  <p:childTnLst>
+                                    <p:set>
+                                      <p:cBhvr>
+                                        <p:cTn id="20" dur="1" fill="hold">
+                                          <p:stCondLst>
+                                            <p:cond delay="0"/>
+                                          </p:stCondLst>
+                                        </p:cTn>
+                                        <p:tgtEl>
+                                          <p:spTgt spid="19"/>
+                                        </p:tgtEl>
+                                        <p:attrNameLst>
+                                          <p:attrName>style.visibility</p:attrName>
+                                        </p:attrNameLst>
+                                      </p:cBhvr>
+                                      <p:to>
+                                        <p:strVal val="visible"/>
+                                      </p:to>
+                                    </p:set>
+                                  </p:childTnLst>
+                                </p:cTn>
+                              </p:par>
+                              <p:par>
+                                <p:cTn id="21" presetID="1" presetClass="entr" presetSubtype="0" fill="hold" grpId="0" nodeType="withEffect">
+                                  <p:stCondLst>
+                                    <p:cond delay="0"/>
+                                  </p:stCondLst>
+                                  <p:childTnLst>
+                                    <p:set>
+                                      <p:cBhvr>
+                                        <p:cTn id="22" dur="1" fill="hold">
+                                          <p:stCondLst>
+                                            <p:cond delay="0"/>
+                                          </p:stCondLst>
+                                        </p:cTn>
+                                        <p:tgtEl>
+                                          <p:spTgt spid="20"/>
+                                        </p:tgtEl>
+                                        <p:attrNameLst>
+                                          <p:attrName>style.visibility</p:attrName>
+                                        </p:attrNameLst>
+                                      </p:cBhvr>
+                                      <p:to>
+                                        <p:strVal val="visible"/>
+                                      </p:to>
+                                    </p:set>
+                                  </p:childTnLst>
+                                </p:cTn>
+                              </p:par>
+                            </p:childTnLst>
+                          </p:cTn>
+                        </p:par>
+                      </p:childTnLst>
+                    </p:cTn>
+                  </p:par>
+                  <p:par>
+                    <p:cTn id="23" fill="hold">
+                      <p:stCondLst>
+                        <p:cond delay="indefinite"/>
+                      </p:stCondLst>
+                      <p:childTnLst>
+                        <p:par>
+                          <p:cTn id="24" fill="hold">
+                            <p:stCondLst>
+                              <p:cond delay="0"/>
+                            </p:stCondLst>
+                            <p:childTnLst>
+                              <p:par>
+                                <p:cTn id="25" presetID="1" presetClass="entr" presetSubtype="0" fill="hold" grpId="0" nodeType="clickEffect">
+                                  <p:stCondLst>
+                                    <p:cond delay="0"/>
+                                  </p:stCondLst>
+                                  <p:childTnLst>
+                                    <p:set>
+                                      <p:cBhvr>
+                                        <p:cTn id="26" dur="1" fill="hold">
+                                          <p:stCondLst>
+                                            <p:cond delay="0"/>
+                                          </p:stCondLst>
+                                        </p:cTn>
+                                        <p:tgtEl>
+                                          <p:spTgt spid="21"/>
+                                        </p:tgtEl>
+                                        <p:attrNameLst>
+                                          <p:attrName>style.visibility</p:attrName>
+                                        </p:attrNameLst>
+                                      </p:cBhvr>
+                                      <p:to>
+                                        <p:strVal val="visible"/>
+                                      </p:to>
+                                    </p:set>
+                                  </p:childTnLst>
+                                </p:cTn>
+                              </p:par>
+                            </p:childTnLst>
+                          </p:cTn>
+                        </p:par>
+                      </p:childTnLst>
+                    </p:cTn>
+                  </p:par>
+                </p:childTnLst>
+              </p:cTn>
+              <p:prevCondLst>
+                <p:cond evt="onPrev" delay="0">
+                  <p:tgtEl>
+                    <p:sldTgt/>
+                  </p:tgtEl>
+                </p:cond>
+              </p:prevCondLst>
+              <p:nextCondLst>
+                <p:cond evt="onNext" delay="0">
+                  <p:tgtEl>
+                    <p:sldTgt/>
+                  </p:tgtEl>
+                </p:cond>
+              </p:nextCondLst>
+            </p:seq>
+          </p:childTnLst>
+        </p:cTn>
+      </p:par>
+    </p:tnLst>
+    <p:bldLst>
+      <p:bldP spid="11" grpId="0" animBg="1"/>
+      <p:bldP spid="12" grpId="0" animBg="1"/>
+      <p:bldP spid="13" grpId="0" animBg="1"/>
+      <p:bldP spid="14" grpId="0" animBg="1"/>
+      <p:bldP spid="15" grpId="0" animBg="1"/>
+      <p:bldP spid="16" grpId="0" animBg="1"/>
+      <p:bldP spid="18" grpId="0" animBg="1"/>
+      <p:bldP spid="19" grpId="0" animBg="1"/>
+      <p:bldP spid="20" grpId="0" animBg="1"/>
+      <p:bldP spid="21" grpId="0"/>
+    </p:bldLst>
+  </p:timing>
 </p:sld>
 </file>
 
@@ -12000,6 +12590,51 @@
                       </p:childTnLst>
                     </p:cTn>
                   </p:par>
+                  <p:par>
+                    <p:cTn id="25" fill="hold">
+                      <p:stCondLst>
+                        <p:cond delay="indefinite"/>
+                      </p:stCondLst>
+                      <p:childTnLst>
+                        <p:par>
+                          <p:cTn id="26" fill="hold">
+                            <p:stCondLst>
+                              <p:cond delay="0"/>
+                            </p:stCondLst>
+                            <p:childTnLst>
+                              <p:par>
+                                <p:cTn id="27" presetID="1" presetClass="entr" presetSubtype="0" fill="hold" grpId="0" nodeType="clickEffect">
+                                  <p:stCondLst>
+                                    <p:cond delay="0"/>
+                                  </p:stCondLst>
+                                  <p:childTnLst>
+                                    <p:set>
+                                      <p:cBhvr>
+                                        <p:cTn id="28" dur="1" fill="hold">
+                                          <p:stCondLst>
+                                            <p:cond delay="0"/>
+                                          </p:stCondLst>
+                                        </p:cTn>
+                                        <p:tgtEl>
+                                          <p:spTgt spid="6"/>
+                                        </p:tgtEl>
+                                        <p:attrNameLst>
+                                          <p:attrName>style.visibility</p:attrName>
+                                        </p:attrNameLst>
+                                      </p:cBhvr>
+                                      <p:to>
+                                        <p:strVal val="visible"/>
+                                      </p:to>
+                                    </p:set>
+                                  </p:childTnLst>
+                                </p:cTn>
+                              </p:par>
+                            </p:childTnLst>
+                          </p:cTn>
+                        </p:par>
+                      </p:childTnLst>
+                    </p:cTn>
+                  </p:par>
                 </p:childTnLst>
               </p:cTn>
               <p:prevCondLst>
@@ -12021,6 +12656,9 @@
         </p:cTn>
       </p:par>
     </p:tnLst>
+    <p:bldLst>
+      <p:bldP spid="6" grpId="0"/>
+    </p:bldLst>
   </p:timing>
 </p:sld>
 </file>
@@ -13148,7 +13786,7 @@
                                           </p:stCondLst>
                                         </p:cTn>
                                         <p:tgtEl>
-                                          <p:spTgt spid="8"/>
+                                          <p:spTgt spid="6"/>
                                         </p:tgtEl>
                                         <p:attrNameLst>
                                           <p:attrName>style.visibility</p:attrName>
@@ -13180,7 +13818,7 @@
                             </p:stCondLst>
                             <p:childTnLst>
                               <p:par>
-                                <p:cTn id="9" presetID="1" presetClass="entr" presetSubtype="0" fill="hold" nodeType="clickEffect">
+                                <p:cTn id="9" presetID="1" presetClass="entr" presetSubtype="0" fill="hold" grpId="0" nodeType="clickEffect">
                                   <p:stCondLst>
                                     <p:cond delay="0"/>
                                   </p:stCondLst>
@@ -13188,6 +13826,51 @@
                                     <p:set>
                                       <p:cBhvr>
                                         <p:cTn id="10" dur="1" fill="hold">
+                                          <p:stCondLst>
+                                            <p:cond delay="0"/>
+                                          </p:stCondLst>
+                                        </p:cTn>
+                                        <p:tgtEl>
+                                          <p:spTgt spid="8"/>
+                                        </p:tgtEl>
+                                        <p:attrNameLst>
+                                          <p:attrName>style.visibility</p:attrName>
+                                        </p:attrNameLst>
+                                      </p:cBhvr>
+                                      <p:to>
+                                        <p:strVal val="visible"/>
+                                      </p:to>
+                                    </p:set>
+                                  </p:childTnLst>
+                                </p:cTn>
+                              </p:par>
+                            </p:childTnLst>
+                          </p:cTn>
+                        </p:par>
+                      </p:childTnLst>
+                    </p:cTn>
+                  </p:par>
+                  <p:par>
+                    <p:cTn id="11" fill="hold">
+                      <p:stCondLst>
+                        <p:cond delay="indefinite"/>
+                      </p:stCondLst>
+                      <p:childTnLst>
+                        <p:par>
+                          <p:cTn id="12" fill="hold">
+                            <p:stCondLst>
+                              <p:cond delay="0"/>
+                            </p:stCondLst>
+                            <p:childTnLst>
+                              <p:par>
+                                <p:cTn id="13" presetID="1" presetClass="entr" presetSubtype="0" fill="hold" nodeType="clickEffect">
+                                  <p:stCondLst>
+                                    <p:cond delay="0"/>
+                                  </p:stCondLst>
+                                  <p:childTnLst>
+                                    <p:set>
+                                      <p:cBhvr>
+                                        <p:cTn id="14" dur="1" fill="hold">
                                           <p:stCondLst>
                                             <p:cond delay="0"/>
                                           </p:stCondLst>
@@ -13211,14 +13894,14 @@
                                 </p:cTn>
                               </p:par>
                               <p:par>
-                                <p:cTn id="11" presetID="1" presetClass="entr" presetSubtype="0" fill="hold" grpId="0" nodeType="withEffect">
+                                <p:cTn id="15" presetID="1" presetClass="entr" presetSubtype="0" fill="hold" grpId="0" nodeType="withEffect">
                                   <p:stCondLst>
                                     <p:cond delay="0"/>
                                   </p:stCondLst>
                                   <p:childTnLst>
                                     <p:set>
                                       <p:cBhvr>
-                                        <p:cTn id="12" dur="1" fill="hold">
+                                        <p:cTn id="16" dur="1" fill="hold">
                                           <p:stCondLst>
                                             <p:cond delay="0"/>
                                           </p:stCondLst>
@@ -13244,26 +13927,26 @@
                     </p:cTn>
                   </p:par>
                   <p:par>
-                    <p:cTn id="13" fill="hold">
+                    <p:cTn id="17" fill="hold">
                       <p:stCondLst>
                         <p:cond delay="indefinite"/>
                       </p:stCondLst>
                       <p:childTnLst>
                         <p:par>
-                          <p:cTn id="14" fill="hold">
+                          <p:cTn id="18" fill="hold">
                             <p:stCondLst>
                               <p:cond delay="0"/>
                             </p:stCondLst>
                             <p:childTnLst>
                               <p:par>
-                                <p:cTn id="15" presetID="1" presetClass="entr" presetSubtype="0" fill="hold" grpId="0" nodeType="clickEffect">
+                                <p:cTn id="19" presetID="1" presetClass="entr" presetSubtype="0" fill="hold" grpId="0" nodeType="clickEffect">
                                   <p:stCondLst>
                                     <p:cond delay="0"/>
                                   </p:stCondLst>
                                   <p:childTnLst>
                                     <p:set>
                                       <p:cBhvr>
-                                        <p:cTn id="16" dur="1" fill="hold">
+                                        <p:cTn id="20" dur="1" fill="hold">
                                           <p:stCondLst>
                                             <p:cond delay="0"/>
                                           </p:stCondLst>
@@ -13310,6 +13993,7 @@
       </p:par>
     </p:tnLst>
     <p:bldLst>
+      <p:bldP spid="6" grpId="0" animBg="1"/>
       <p:bldP spid="7" grpId="0" animBg="1"/>
       <p:bldP spid="8" grpId="0" animBg="1"/>
       <p:bldP spid="9" grpId="0" animBg="1"/>
@@ -14213,6 +14897,270 @@
     <a:masterClrMapping/>
   </p:clrMapOvr>
   <p:transition/>
+  <p:timing>
+    <p:tnLst>
+      <p:par>
+        <p:cTn id="1" dur="indefinite" restart="never" nodeType="tmRoot">
+          <p:childTnLst>
+            <p:seq concurrent="1" nextAc="seek">
+              <p:cTn id="2" dur="indefinite" nodeType="mainSeq">
+                <p:childTnLst>
+                  <p:par>
+                    <p:cTn id="3" fill="hold">
+                      <p:stCondLst>
+                        <p:cond delay="indefinite"/>
+                      </p:stCondLst>
+                      <p:childTnLst>
+                        <p:par>
+                          <p:cTn id="4" fill="hold">
+                            <p:stCondLst>
+                              <p:cond delay="0"/>
+                            </p:stCondLst>
+                            <p:childTnLst>
+                              <p:par>
+                                <p:cTn id="5" presetID="1" presetClass="entr" presetSubtype="0" fill="hold" grpId="0" nodeType="clickEffect">
+                                  <p:stCondLst>
+                                    <p:cond delay="0"/>
+                                  </p:stCondLst>
+                                  <p:childTnLst>
+                                    <p:set>
+                                      <p:cBhvr>
+                                        <p:cTn id="6" dur="1" fill="hold">
+                                          <p:stCondLst>
+                                            <p:cond delay="0"/>
+                                          </p:stCondLst>
+                                        </p:cTn>
+                                        <p:tgtEl>
+                                          <p:spTgt spid="7"/>
+                                        </p:tgtEl>
+                                        <p:attrNameLst>
+                                          <p:attrName>style.visibility</p:attrName>
+                                        </p:attrNameLst>
+                                      </p:cBhvr>
+                                      <p:to>
+                                        <p:strVal val="visible"/>
+                                      </p:to>
+                                    </p:set>
+                                  </p:childTnLst>
+                                </p:cTn>
+                              </p:par>
+                              <p:par>
+                                <p:cTn id="7" presetID="1" presetClass="entr" presetSubtype="0" fill="hold" grpId="0" nodeType="withEffect">
+                                  <p:stCondLst>
+                                    <p:cond delay="0"/>
+                                  </p:stCondLst>
+                                  <p:childTnLst>
+                                    <p:set>
+                                      <p:cBhvr>
+                                        <p:cTn id="8" dur="1" fill="hold">
+                                          <p:stCondLst>
+                                            <p:cond delay="0"/>
+                                          </p:stCondLst>
+                                        </p:cTn>
+                                        <p:tgtEl>
+                                          <p:spTgt spid="10"/>
+                                        </p:tgtEl>
+                                        <p:attrNameLst>
+                                          <p:attrName>style.visibility</p:attrName>
+                                        </p:attrNameLst>
+                                      </p:cBhvr>
+                                      <p:to>
+                                        <p:strVal val="visible"/>
+                                      </p:to>
+                                    </p:set>
+                                  </p:childTnLst>
+                                </p:cTn>
+                              </p:par>
+                              <p:par>
+                                <p:cTn id="9" presetID="1" presetClass="entr" presetSubtype="0" fill="hold" grpId="0" nodeType="withEffect">
+                                  <p:stCondLst>
+                                    <p:cond delay="0"/>
+                                  </p:stCondLst>
+                                  <p:childTnLst>
+                                    <p:set>
+                                      <p:cBhvr>
+                                        <p:cTn id="10" dur="1" fill="hold">
+                                          <p:stCondLst>
+                                            <p:cond delay="0"/>
+                                          </p:stCondLst>
+                                        </p:cTn>
+                                        <p:tgtEl>
+                                          <p:spTgt spid="11"/>
+                                        </p:tgtEl>
+                                        <p:attrNameLst>
+                                          <p:attrName>style.visibility</p:attrName>
+                                        </p:attrNameLst>
+                                      </p:cBhvr>
+                                      <p:to>
+                                        <p:strVal val="visible"/>
+                                      </p:to>
+                                    </p:set>
+                                  </p:childTnLst>
+                                </p:cTn>
+                              </p:par>
+                              <p:par>
+                                <p:cTn id="11" presetID="1" presetClass="entr" presetSubtype="0" fill="hold" grpId="0" nodeType="withEffect">
+                                  <p:stCondLst>
+                                    <p:cond delay="0"/>
+                                  </p:stCondLst>
+                                  <p:childTnLst>
+                                    <p:set>
+                                      <p:cBhvr>
+                                        <p:cTn id="12" dur="1" fill="hold">
+                                          <p:stCondLst>
+                                            <p:cond delay="0"/>
+                                          </p:stCondLst>
+                                        </p:cTn>
+                                        <p:tgtEl>
+                                          <p:spTgt spid="12"/>
+                                        </p:tgtEl>
+                                        <p:attrNameLst>
+                                          <p:attrName>style.visibility</p:attrName>
+                                        </p:attrNameLst>
+                                      </p:cBhvr>
+                                      <p:to>
+                                        <p:strVal val="visible"/>
+                                      </p:to>
+                                    </p:set>
+                                  </p:childTnLst>
+                                </p:cTn>
+                              </p:par>
+                              <p:par>
+                                <p:cTn id="13" presetID="1" presetClass="entr" presetSubtype="0" fill="hold" grpId="0" nodeType="withEffect">
+                                  <p:stCondLst>
+                                    <p:cond delay="0"/>
+                                  </p:stCondLst>
+                                  <p:childTnLst>
+                                    <p:set>
+                                      <p:cBhvr>
+                                        <p:cTn id="14" dur="1" fill="hold">
+                                          <p:stCondLst>
+                                            <p:cond delay="0"/>
+                                          </p:stCondLst>
+                                        </p:cTn>
+                                        <p:tgtEl>
+                                          <p:spTgt spid="13"/>
+                                        </p:tgtEl>
+                                        <p:attrNameLst>
+                                          <p:attrName>style.visibility</p:attrName>
+                                        </p:attrNameLst>
+                                      </p:cBhvr>
+                                      <p:to>
+                                        <p:strVal val="visible"/>
+                                      </p:to>
+                                    </p:set>
+                                  </p:childTnLst>
+                                </p:cTn>
+                              </p:par>
+                              <p:par>
+                                <p:cTn id="15" presetID="1" presetClass="entr" presetSubtype="0" fill="hold" grpId="0" nodeType="withEffect">
+                                  <p:stCondLst>
+                                    <p:cond delay="0"/>
+                                  </p:stCondLst>
+                                  <p:childTnLst>
+                                    <p:set>
+                                      <p:cBhvr>
+                                        <p:cTn id="16" dur="1" fill="hold">
+                                          <p:stCondLst>
+                                            <p:cond delay="0"/>
+                                          </p:stCondLst>
+                                        </p:cTn>
+                                        <p:tgtEl>
+                                          <p:spTgt spid="9"/>
+                                        </p:tgtEl>
+                                        <p:attrNameLst>
+                                          <p:attrName>style.visibility</p:attrName>
+                                        </p:attrNameLst>
+                                      </p:cBhvr>
+                                      <p:to>
+                                        <p:strVal val="visible"/>
+                                      </p:to>
+                                    </p:set>
+                                  </p:childTnLst>
+                                </p:cTn>
+                              </p:par>
+                            </p:childTnLst>
+                          </p:cTn>
+                        </p:par>
+                      </p:childTnLst>
+                    </p:cTn>
+                  </p:par>
+                  <p:par>
+                    <p:cTn id="17" fill="hold">
+                      <p:stCondLst>
+                        <p:cond delay="indefinite"/>
+                      </p:stCondLst>
+                      <p:childTnLst>
+                        <p:par>
+                          <p:cTn id="18" fill="hold">
+                            <p:stCondLst>
+                              <p:cond delay="0"/>
+                            </p:stCondLst>
+                            <p:childTnLst>
+                              <p:par>
+                                <p:cTn id="19" presetID="1" presetClass="entr" presetSubtype="0" fill="hold" grpId="0" nodeType="clickEffect">
+                                  <p:stCondLst>
+                                    <p:cond delay="0"/>
+                                  </p:stCondLst>
+                                  <p:childTnLst>
+                                    <p:set>
+                                      <p:cBhvr>
+                                        <p:cTn id="20" dur="1" fill="hold">
+                                          <p:stCondLst>
+                                            <p:cond delay="0"/>
+                                          </p:stCondLst>
+                                        </p:cTn>
+                                        <p:tgtEl>
+                                          <p:spTgt spid="14"/>
+                                        </p:tgtEl>
+                                        <p:attrNameLst>
+                                          <p:attrName>style.visibility</p:attrName>
+                                        </p:attrNameLst>
+                                      </p:cBhvr>
+                                      <p:to>
+                                        <p:strVal val="visible"/>
+                                      </p:to>
+                                    </p:set>
+                                  </p:childTnLst>
+                                </p:cTn>
+                              </p:par>
+                            </p:childTnLst>
+                          </p:cTn>
+                        </p:par>
+                      </p:childTnLst>
+                    </p:cTn>
+                  </p:par>
+                </p:childTnLst>
+              </p:cTn>
+              <p:prevCondLst>
+                <p:cond evt="onPrev" delay="0">
+                  <p:tgtEl>
+                    <p:sldTgt/>
+                  </p:tgtEl>
+                </p:cond>
+              </p:prevCondLst>
+              <p:nextCondLst>
+                <p:cond evt="onNext" delay="0">
+                  <p:tgtEl>
+                    <p:sldTgt/>
+                  </p:tgtEl>
+                </p:cond>
+              </p:nextCondLst>
+            </p:seq>
+          </p:childTnLst>
+        </p:cTn>
+      </p:par>
+    </p:tnLst>
+    <p:bldLst>
+      <p:bldP spid="7" grpId="0" animBg="1"/>
+      <p:bldP spid="9" grpId="0" animBg="1"/>
+      <p:bldP spid="10" grpId="0" animBg="1"/>
+      <p:bldP spid="11" grpId="0" animBg="1"/>
+      <p:bldP spid="12" grpId="0" animBg="1"/>
+      <p:bldP spid="13" grpId="0" animBg="1"/>
+      <p:bldP spid="14" grpId="0"/>
+    </p:bldLst>
+  </p:timing>
 </p:sld>
 </file>
 
@@ -15135,6 +16083,51 @@
                       </p:childTnLst>
                     </p:cTn>
                   </p:par>
+                  <p:par>
+                    <p:cTn id="15" fill="hold">
+                      <p:stCondLst>
+                        <p:cond delay="indefinite"/>
+                      </p:stCondLst>
+                      <p:childTnLst>
+                        <p:par>
+                          <p:cTn id="16" fill="hold">
+                            <p:stCondLst>
+                              <p:cond delay="0"/>
+                            </p:stCondLst>
+                            <p:childTnLst>
+                              <p:par>
+                                <p:cTn id="17" presetID="1" presetClass="entr" presetSubtype="0" fill="hold" grpId="0" nodeType="clickEffect">
+                                  <p:stCondLst>
+                                    <p:cond delay="0"/>
+                                  </p:stCondLst>
+                                  <p:childTnLst>
+                                    <p:set>
+                                      <p:cBhvr>
+                                        <p:cTn id="18" dur="1" fill="hold">
+                                          <p:stCondLst>
+                                            <p:cond delay="0"/>
+                                          </p:stCondLst>
+                                        </p:cTn>
+                                        <p:tgtEl>
+                                          <p:spTgt spid="7"/>
+                                        </p:tgtEl>
+                                        <p:attrNameLst>
+                                          <p:attrName>style.visibility</p:attrName>
+                                        </p:attrNameLst>
+                                      </p:cBhvr>
+                                      <p:to>
+                                        <p:strVal val="visible"/>
+                                      </p:to>
+                                    </p:set>
+                                  </p:childTnLst>
+                                </p:cTn>
+                              </p:par>
+                            </p:childTnLst>
+                          </p:cTn>
+                        </p:par>
+                      </p:childTnLst>
+                    </p:cTn>
+                  </p:par>
                 </p:childTnLst>
               </p:cTn>
               <p:prevCondLst>
@@ -15156,6 +16149,9 @@
         </p:cTn>
       </p:par>
     </p:tnLst>
+    <p:bldLst>
+      <p:bldP spid="7" grpId="0"/>
+    </p:bldLst>
   </p:timing>
 </p:sld>
 </file>
@@ -16436,6 +17432,51 @@
                       </p:childTnLst>
                     </p:cTn>
                   </p:par>
+                  <p:par>
+                    <p:cTn id="23" fill="hold">
+                      <p:stCondLst>
+                        <p:cond delay="indefinite"/>
+                      </p:stCondLst>
+                      <p:childTnLst>
+                        <p:par>
+                          <p:cTn id="24" fill="hold">
+                            <p:stCondLst>
+                              <p:cond delay="0"/>
+                            </p:stCondLst>
+                            <p:childTnLst>
+                              <p:par>
+                                <p:cTn id="25" presetID="1" presetClass="entr" presetSubtype="0" fill="hold" grpId="0" nodeType="clickEffect">
+                                  <p:stCondLst>
+                                    <p:cond delay="0"/>
+                                  </p:stCondLst>
+                                  <p:childTnLst>
+                                    <p:set>
+                                      <p:cBhvr>
+                                        <p:cTn id="26" dur="1" fill="hold">
+                                          <p:stCondLst>
+                                            <p:cond delay="0"/>
+                                          </p:stCondLst>
+                                        </p:cTn>
+                                        <p:tgtEl>
+                                          <p:spTgt spid="12"/>
+                                        </p:tgtEl>
+                                        <p:attrNameLst>
+                                          <p:attrName>style.visibility</p:attrName>
+                                        </p:attrNameLst>
+                                      </p:cBhvr>
+                                      <p:to>
+                                        <p:strVal val="visible"/>
+                                      </p:to>
+                                    </p:set>
+                                  </p:childTnLst>
+                                </p:cTn>
+                              </p:par>
+                            </p:childTnLst>
+                          </p:cTn>
+                        </p:par>
+                      </p:childTnLst>
+                    </p:cTn>
+                  </p:par>
                 </p:childTnLst>
               </p:cTn>
               <p:prevCondLst>
@@ -16461,6 +17502,7 @@
       <p:bldP spid="7" grpId="0" animBg="1"/>
       <p:bldP spid="9" grpId="0" animBg="1"/>
       <p:bldP spid="10" grpId="0" animBg="1"/>
+      <p:bldP spid="12" grpId="0"/>
     </p:bldLst>
   </p:timing>
 </p:sld>
@@ -19120,6 +20162,51 @@
                       </p:childTnLst>
                     </p:cTn>
                   </p:par>
+                  <p:par>
+                    <p:cTn id="41" fill="hold">
+                      <p:stCondLst>
+                        <p:cond delay="indefinite"/>
+                      </p:stCondLst>
+                      <p:childTnLst>
+                        <p:par>
+                          <p:cTn id="42" fill="hold">
+                            <p:stCondLst>
+                              <p:cond delay="0"/>
+                            </p:stCondLst>
+                            <p:childTnLst>
+                              <p:par>
+                                <p:cTn id="43" presetID="1" presetClass="entr" presetSubtype="0" fill="hold" grpId="0" nodeType="clickEffect">
+                                  <p:stCondLst>
+                                    <p:cond delay="0"/>
+                                  </p:stCondLst>
+                                  <p:childTnLst>
+                                    <p:set>
+                                      <p:cBhvr>
+                                        <p:cTn id="44" dur="1" fill="hold">
+                                          <p:stCondLst>
+                                            <p:cond delay="0"/>
+                                          </p:stCondLst>
+                                        </p:cTn>
+                                        <p:tgtEl>
+                                          <p:spTgt spid="16"/>
+                                        </p:tgtEl>
+                                        <p:attrNameLst>
+                                          <p:attrName>style.visibility</p:attrName>
+                                        </p:attrNameLst>
+                                      </p:cBhvr>
+                                      <p:to>
+                                        <p:strVal val="visible"/>
+                                      </p:to>
+                                    </p:set>
+                                  </p:childTnLst>
+                                </p:cTn>
+                              </p:par>
+                            </p:childTnLst>
+                          </p:cTn>
+                        </p:par>
+                      </p:childTnLst>
+                    </p:cTn>
+                  </p:par>
                 </p:childTnLst>
               </p:cTn>
               <p:prevCondLst>
@@ -19145,6 +20232,7 @@
       <p:bldP spid="11" grpId="0" animBg="1"/>
       <p:bldP spid="12" grpId="0" animBg="1"/>
       <p:bldP spid="15" grpId="0" animBg="1"/>
+      <p:bldP spid="16" grpId="0"/>
     </p:bldLst>
   </p:timing>
 </p:sld>
@@ -20383,7 +21471,7 @@
                                           </p:stCondLst>
                                         </p:cTn>
                                         <p:tgtEl>
-                                          <p:spTgt spid="7"/>
+                                          <p:spTgt spid="8"/>
                                         </p:tgtEl>
                                         <p:attrNameLst>
                                           <p:attrName>style.visibility</p:attrName>
@@ -20415,7 +21503,7 @@
                             </p:stCondLst>
                             <p:childTnLst>
                               <p:par>
-                                <p:cTn id="9" presetID="1" presetClass="entr" presetSubtype="0" fill="hold" nodeType="clickEffect">
+                                <p:cTn id="9" presetID="1" presetClass="entr" presetSubtype="0" fill="hold" grpId="0" nodeType="clickEffect">
                                   <p:stCondLst>
                                     <p:cond delay="0"/>
                                   </p:stCondLst>
@@ -20423,6 +21511,51 @@
                                     <p:set>
                                       <p:cBhvr>
                                         <p:cTn id="10" dur="1" fill="hold">
+                                          <p:stCondLst>
+                                            <p:cond delay="0"/>
+                                          </p:stCondLst>
+                                        </p:cTn>
+                                        <p:tgtEl>
+                                          <p:spTgt spid="7"/>
+                                        </p:tgtEl>
+                                        <p:attrNameLst>
+                                          <p:attrName>style.visibility</p:attrName>
+                                        </p:attrNameLst>
+                                      </p:cBhvr>
+                                      <p:to>
+                                        <p:strVal val="visible"/>
+                                      </p:to>
+                                    </p:set>
+                                  </p:childTnLst>
+                                </p:cTn>
+                              </p:par>
+                            </p:childTnLst>
+                          </p:cTn>
+                        </p:par>
+                      </p:childTnLst>
+                    </p:cTn>
+                  </p:par>
+                  <p:par>
+                    <p:cTn id="11" fill="hold">
+                      <p:stCondLst>
+                        <p:cond delay="indefinite"/>
+                      </p:stCondLst>
+                      <p:childTnLst>
+                        <p:par>
+                          <p:cTn id="12" fill="hold">
+                            <p:stCondLst>
+                              <p:cond delay="0"/>
+                            </p:stCondLst>
+                            <p:childTnLst>
+                              <p:par>
+                                <p:cTn id="13" presetID="1" presetClass="entr" presetSubtype="0" fill="hold" nodeType="clickEffect">
+                                  <p:stCondLst>
+                                    <p:cond delay="0"/>
+                                  </p:stCondLst>
+                                  <p:childTnLst>
+                                    <p:set>
+                                      <p:cBhvr>
+                                        <p:cTn id="14" dur="1" fill="hold">
                                           <p:stCondLst>
                                             <p:cond delay="0"/>
                                           </p:stCondLst>
@@ -20446,14 +21579,14 @@
                                 </p:cTn>
                               </p:par>
                               <p:par>
-                                <p:cTn id="11" presetID="1" presetClass="entr" presetSubtype="0" fill="hold" grpId="0" nodeType="withEffect">
+                                <p:cTn id="15" presetID="1" presetClass="entr" presetSubtype="0" fill="hold" grpId="0" nodeType="withEffect">
                                   <p:stCondLst>
                                     <p:cond delay="0"/>
                                   </p:stCondLst>
                                   <p:childTnLst>
                                     <p:set>
                                       <p:cBhvr>
-                                        <p:cTn id="12" dur="1" fill="hold">
+                                        <p:cTn id="16" dur="1" fill="hold">
                                           <p:stCondLst>
                                             <p:cond delay="0"/>
                                           </p:stCondLst>
@@ -20479,26 +21612,26 @@
                     </p:cTn>
                   </p:par>
                   <p:par>
-                    <p:cTn id="13" fill="hold">
+                    <p:cTn id="17" fill="hold">
                       <p:stCondLst>
                         <p:cond delay="indefinite"/>
                       </p:stCondLst>
                       <p:childTnLst>
                         <p:par>
-                          <p:cTn id="14" fill="hold">
+                          <p:cTn id="18" fill="hold">
                             <p:stCondLst>
                               <p:cond delay="0"/>
                             </p:stCondLst>
                             <p:childTnLst>
                               <p:par>
-                                <p:cTn id="15" presetID="1" presetClass="entr" presetSubtype="0" fill="hold" grpId="0" nodeType="clickEffect">
+                                <p:cTn id="19" presetID="1" presetClass="entr" presetSubtype="0" fill="hold" grpId="0" nodeType="clickEffect">
                                   <p:stCondLst>
                                     <p:cond delay="0"/>
                                   </p:stCondLst>
                                   <p:childTnLst>
                                     <p:set>
                                       <p:cBhvr>
-                                        <p:cTn id="16" dur="1" fill="hold">
+                                        <p:cTn id="20" dur="1" fill="hold">
                                           <p:stCondLst>
                                             <p:cond delay="0"/>
                                           </p:stCondLst>
@@ -20545,6 +21678,7 @@
       </p:par>
     </p:tnLst>
     <p:bldLst>
+      <p:bldP spid="8" grpId="0" animBg="1"/>
       <p:bldP spid="10" grpId="0" animBg="1"/>
       <p:bldP spid="7" grpId="0" animBg="1"/>
       <p:bldP spid="9" grpId="0" animBg="1"/>
@@ -21409,7 +22543,7 @@
                             </p:stCondLst>
                             <p:childTnLst>
                               <p:par>
-                                <p:cTn id="5" presetID="1" presetClass="entr" presetSubtype="0" fill="hold" grpId="0" nodeType="clickEffect">
+                                <p:cTn id="5" presetID="1" presetClass="entr" presetSubtype="0" fill="hold" nodeType="clickEffect">
                                   <p:stCondLst>
                                     <p:cond delay="0"/>
                                   </p:stCondLst>
@@ -21417,6 +22551,37 @@
                                     <p:set>
                                       <p:cBhvr>
                                         <p:cTn id="6" dur="1" fill="hold">
+                                          <p:stCondLst>
+                                            <p:cond delay="0"/>
+                                          </p:stCondLst>
+                                        </p:cTn>
+                                        <p:tgtEl>
+                                          <p:spTgt spid="3">
+                                            <p:txEl>
+                                              <p:pRg st="1" end="1"/>
+                                            </p:txEl>
+                                          </p:spTgt>
+                                        </p:tgtEl>
+                                        <p:attrNameLst>
+                                          <p:attrName>style.visibility</p:attrName>
+                                        </p:attrNameLst>
+                                      </p:cBhvr>
+                                      <p:to>
+                                        <p:strVal val="visible"/>
+                                      </p:to>
+                                    </p:set>
+                                  </p:childTnLst>
+                                </p:cTn>
+                              </p:par>
+                              <p:par>
+                                <p:cTn id="7" presetID="1" presetClass="entr" presetSubtype="0" fill="hold" grpId="0" nodeType="withEffect">
+                                  <p:stCondLst>
+                                    <p:cond delay="0"/>
+                                  </p:stCondLst>
+                                  <p:childTnLst>
+                                    <p:set>
+                                      <p:cBhvr>
+                                        <p:cTn id="8" dur="1" fill="hold">
                                           <p:stCondLst>
                                             <p:cond delay="0"/>
                                           </p:stCondLst>
@@ -21442,26 +22607,26 @@
                     </p:cTn>
                   </p:par>
                   <p:par>
-                    <p:cTn id="7" fill="hold">
+                    <p:cTn id="9" fill="hold">
                       <p:stCondLst>
                         <p:cond delay="indefinite"/>
                       </p:stCondLst>
                       <p:childTnLst>
                         <p:par>
-                          <p:cTn id="8" fill="hold">
+                          <p:cTn id="10" fill="hold">
                             <p:stCondLst>
                               <p:cond delay="0"/>
                             </p:stCondLst>
                             <p:childTnLst>
                               <p:par>
-                                <p:cTn id="9" presetID="1" presetClass="entr" presetSubtype="0" fill="hold" grpId="0" nodeType="clickEffect">
+                                <p:cTn id="11" presetID="1" presetClass="entr" presetSubtype="0" fill="hold" grpId="0" nodeType="clickEffect">
                                   <p:stCondLst>
                                     <p:cond delay="0"/>
                                   </p:stCondLst>
                                   <p:childTnLst>
                                     <p:set>
                                       <p:cBhvr>
-                                        <p:cTn id="10" dur="1" fill="hold">
+                                        <p:cTn id="12" dur="1" fill="hold">
                                           <p:stCondLst>
                                             <p:cond delay="0"/>
                                           </p:stCondLst>
@@ -21487,26 +22652,26 @@
                     </p:cTn>
                   </p:par>
                   <p:par>
-                    <p:cTn id="11" fill="hold">
+                    <p:cTn id="13" fill="hold">
                       <p:stCondLst>
                         <p:cond delay="indefinite"/>
                       </p:stCondLst>
                       <p:childTnLst>
                         <p:par>
-                          <p:cTn id="12" fill="hold">
+                          <p:cTn id="14" fill="hold">
                             <p:stCondLst>
                               <p:cond delay="0"/>
                             </p:stCondLst>
                             <p:childTnLst>
                               <p:par>
-                                <p:cTn id="13" presetID="1" presetClass="entr" presetSubtype="0" fill="hold" nodeType="clickEffect">
+                                <p:cTn id="15" presetID="1" presetClass="entr" presetSubtype="0" fill="hold" nodeType="clickEffect">
                                   <p:stCondLst>
                                     <p:cond delay="0"/>
                                   </p:stCondLst>
                                   <p:childTnLst>
                                     <p:set>
                                       <p:cBhvr>
-                                        <p:cTn id="14" dur="1" fill="hold">
+                                        <p:cTn id="16" dur="1" fill="hold">
                                           <p:stCondLst>
                                             <p:cond delay="0"/>
                                           </p:stCondLst>
@@ -21530,14 +22695,14 @@
                                 </p:cTn>
                               </p:par>
                               <p:par>
-                                <p:cTn id="15" presetID="1" presetClass="entr" presetSubtype="0" fill="hold" grpId="0" nodeType="withEffect">
+                                <p:cTn id="17" presetID="1" presetClass="entr" presetSubtype="0" fill="hold" grpId="0" nodeType="withEffect">
                                   <p:stCondLst>
                                     <p:cond delay="0"/>
                                   </p:stCondLst>
                                   <p:childTnLst>
                                     <p:set>
                                       <p:cBhvr>
-                                        <p:cTn id="16" dur="1" fill="hold">
+                                        <p:cTn id="18" dur="1" fill="hold">
                                           <p:stCondLst>
                                             <p:cond delay="0"/>
                                           </p:stCondLst>
@@ -23546,6 +24711,51 @@
                       </p:childTnLst>
                     </p:cTn>
                   </p:par>
+                  <p:par>
+                    <p:cTn id="7" fill="hold">
+                      <p:stCondLst>
+                        <p:cond delay="indefinite"/>
+                      </p:stCondLst>
+                      <p:childTnLst>
+                        <p:par>
+                          <p:cTn id="8" fill="hold">
+                            <p:stCondLst>
+                              <p:cond delay="0"/>
+                            </p:stCondLst>
+                            <p:childTnLst>
+                              <p:par>
+                                <p:cTn id="9" presetID="1" presetClass="entr" presetSubtype="0" fill="hold" grpId="0" nodeType="clickEffect">
+                                  <p:stCondLst>
+                                    <p:cond delay="0"/>
+                                  </p:stCondLst>
+                                  <p:childTnLst>
+                                    <p:set>
+                                      <p:cBhvr>
+                                        <p:cTn id="10" dur="1" fill="hold">
+                                          <p:stCondLst>
+                                            <p:cond delay="0"/>
+                                          </p:stCondLst>
+                                        </p:cTn>
+                                        <p:tgtEl>
+                                          <p:spTgt spid="8"/>
+                                        </p:tgtEl>
+                                        <p:attrNameLst>
+                                          <p:attrName>style.visibility</p:attrName>
+                                        </p:attrNameLst>
+                                      </p:cBhvr>
+                                      <p:to>
+                                        <p:strVal val="visible"/>
+                                      </p:to>
+                                    </p:set>
+                                  </p:childTnLst>
+                                </p:cTn>
+                              </p:par>
+                            </p:childTnLst>
+                          </p:cTn>
+                        </p:par>
+                      </p:childTnLst>
+                    </p:cTn>
+                  </p:par>
                 </p:childTnLst>
               </p:cTn>
               <p:prevCondLst>
@@ -23569,6 +24779,7 @@
     </p:tnLst>
     <p:bldLst>
       <p:bldP spid="567300" grpId="0" animBg="1"/>
+      <p:bldP spid="8" grpId="0"/>
     </p:bldLst>
   </p:timing>
 </p:sld>
@@ -23946,18 +25157,21 @@
           </a:p>
           <a:p>
             <a:r>
-              <a:rPr lang="en-US" sz="2800"/>
+              <a:rPr lang="en-US" sz="2800" dirty="0" err="1"/>
               <a:t>h</a:t>
             </a:r>
             <a:r>
-              <a:rPr lang="en-US" sz="2800" baseline="-25000"/>
-              <a:t>b </a:t>
-            </a:r>
-            <a:r>
-              <a:rPr lang="en-US" sz="2800"/>
+              <a:rPr lang="en-US" sz="2800" baseline="-25000" dirty="0" err="1"/>
+              <a:t>b</a:t>
+            </a:r>
+            <a:r>
+              <a:rPr lang="en-US" sz="2800" baseline="-25000" dirty="0"/>
+              <a:t> </a:t>
+            </a:r>
+            <a:r>
+              <a:rPr lang="en-US" sz="2800" dirty="0"/>
               <a:t>= 4</a:t>
             </a:r>
-            <a:endParaRPr lang="en-US" sz="2800" dirty="0"/>
           </a:p>
         </p:txBody>
       </p:sp>
@@ -24319,6 +25533,186 @@
   <p:clrMapOvr>
     <a:masterClrMapping/>
   </p:clrMapOvr>
+  <p:timing>
+    <p:tnLst>
+      <p:par>
+        <p:cTn id="1" dur="indefinite" restart="never" nodeType="tmRoot">
+          <p:childTnLst>
+            <p:seq concurrent="1" nextAc="seek">
+              <p:cTn id="2" dur="indefinite" nodeType="mainSeq">
+                <p:childTnLst>
+                  <p:par>
+                    <p:cTn id="3" fill="hold">
+                      <p:stCondLst>
+                        <p:cond delay="indefinite"/>
+                      </p:stCondLst>
+                      <p:childTnLst>
+                        <p:par>
+                          <p:cTn id="4" fill="hold">
+                            <p:stCondLst>
+                              <p:cond delay="0"/>
+                            </p:stCondLst>
+                            <p:childTnLst>
+                              <p:par>
+                                <p:cTn id="5" presetID="1" presetClass="entr" presetSubtype="0" fill="hold" grpId="0" nodeType="clickEffect">
+                                  <p:stCondLst>
+                                    <p:cond delay="0"/>
+                                  </p:stCondLst>
+                                  <p:childTnLst>
+                                    <p:set>
+                                      <p:cBhvr>
+                                        <p:cTn id="6" dur="1" fill="hold">
+                                          <p:stCondLst>
+                                            <p:cond delay="0"/>
+                                          </p:stCondLst>
+                                        </p:cTn>
+                                        <p:tgtEl>
+                                          <p:spTgt spid="8"/>
+                                        </p:tgtEl>
+                                        <p:attrNameLst>
+                                          <p:attrName>style.visibility</p:attrName>
+                                        </p:attrNameLst>
+                                      </p:cBhvr>
+                                      <p:to>
+                                        <p:strVal val="visible"/>
+                                      </p:to>
+                                    </p:set>
+                                  </p:childTnLst>
+                                </p:cTn>
+                              </p:par>
+                              <p:par>
+                                <p:cTn id="7" presetID="1" presetClass="entr" presetSubtype="0" fill="hold" grpId="0" nodeType="withEffect">
+                                  <p:stCondLst>
+                                    <p:cond delay="0"/>
+                                  </p:stCondLst>
+                                  <p:childTnLst>
+                                    <p:set>
+                                      <p:cBhvr>
+                                        <p:cTn id="8" dur="1" fill="hold">
+                                          <p:stCondLst>
+                                            <p:cond delay="0"/>
+                                          </p:stCondLst>
+                                        </p:cTn>
+                                        <p:tgtEl>
+                                          <p:spTgt spid="9"/>
+                                        </p:tgtEl>
+                                        <p:attrNameLst>
+                                          <p:attrName>style.visibility</p:attrName>
+                                        </p:attrNameLst>
+                                      </p:cBhvr>
+                                      <p:to>
+                                        <p:strVal val="visible"/>
+                                      </p:to>
+                                    </p:set>
+                                  </p:childTnLst>
+                                </p:cTn>
+                              </p:par>
+                              <p:par>
+                                <p:cTn id="9" presetID="1" presetClass="entr" presetSubtype="0" fill="hold" grpId="0" nodeType="withEffect">
+                                  <p:stCondLst>
+                                    <p:cond delay="0"/>
+                                  </p:stCondLst>
+                                  <p:childTnLst>
+                                    <p:set>
+                                      <p:cBhvr>
+                                        <p:cTn id="10" dur="1" fill="hold">
+                                          <p:stCondLst>
+                                            <p:cond delay="0"/>
+                                          </p:stCondLst>
+                                        </p:cTn>
+                                        <p:tgtEl>
+                                          <p:spTgt spid="10"/>
+                                        </p:tgtEl>
+                                        <p:attrNameLst>
+                                          <p:attrName>style.visibility</p:attrName>
+                                        </p:attrNameLst>
+                                      </p:cBhvr>
+                                      <p:to>
+                                        <p:strVal val="visible"/>
+                                      </p:to>
+                                    </p:set>
+                                  </p:childTnLst>
+                                </p:cTn>
+                              </p:par>
+                            </p:childTnLst>
+                          </p:cTn>
+                        </p:par>
+                      </p:childTnLst>
+                    </p:cTn>
+                  </p:par>
+                  <p:par>
+                    <p:cTn id="11" fill="hold">
+                      <p:stCondLst>
+                        <p:cond delay="indefinite"/>
+                      </p:stCondLst>
+                      <p:childTnLst>
+                        <p:par>
+                          <p:cTn id="12" fill="hold">
+                            <p:stCondLst>
+                              <p:cond delay="0"/>
+                            </p:stCondLst>
+                            <p:childTnLst>
+                              <p:par>
+                                <p:cTn id="13" presetID="1" presetClass="entr" presetSubtype="0" fill="hold" grpId="0" nodeType="clickEffect">
+                                  <p:stCondLst>
+                                    <p:cond delay="0"/>
+                                  </p:stCondLst>
+                                  <p:childTnLst>
+                                    <p:set>
+                                      <p:cBhvr>
+                                        <p:cTn id="14" dur="1" fill="hold">
+                                          <p:stCondLst>
+                                            <p:cond delay="0"/>
+                                          </p:stCondLst>
+                                        </p:cTn>
+                                        <p:tgtEl>
+                                          <p:spTgt spid="12"/>
+                                        </p:tgtEl>
+                                        <p:attrNameLst>
+                                          <p:attrName>style.visibility</p:attrName>
+                                        </p:attrNameLst>
+                                      </p:cBhvr>
+                                      <p:to>
+                                        <p:strVal val="visible"/>
+                                      </p:to>
+                                    </p:set>
+                                  </p:childTnLst>
+                                </p:cTn>
+                              </p:par>
+                            </p:childTnLst>
+                          </p:cTn>
+                        </p:par>
+                      </p:childTnLst>
+                    </p:cTn>
+                  </p:par>
+                </p:childTnLst>
+              </p:cTn>
+              <p:prevCondLst>
+                <p:cond evt="onPrev" delay="0">
+                  <p:tgtEl>
+                    <p:sldTgt/>
+                  </p:tgtEl>
+                </p:cond>
+              </p:prevCondLst>
+              <p:nextCondLst>
+                <p:cond evt="onNext" delay="0">
+                  <p:tgtEl>
+                    <p:sldTgt/>
+                  </p:tgtEl>
+                </p:cond>
+              </p:nextCondLst>
+            </p:seq>
+          </p:childTnLst>
+        </p:cTn>
+      </p:par>
+    </p:tnLst>
+    <p:bldLst>
+      <p:bldP spid="8" grpId="0" animBg="1"/>
+      <p:bldP spid="9" grpId="0" animBg="1"/>
+      <p:bldP spid="10" grpId="0" animBg="1"/>
+      <p:bldP spid="12" grpId="0"/>
+    </p:bldLst>
+  </p:timing>
 </p:sld>
 </file>
 
@@ -25239,6 +26633,51 @@
                       </p:childTnLst>
                     </p:cTn>
                   </p:par>
+                  <p:par>
+                    <p:cTn id="11" fill="hold">
+                      <p:stCondLst>
+                        <p:cond delay="indefinite"/>
+                      </p:stCondLst>
+                      <p:childTnLst>
+                        <p:par>
+                          <p:cTn id="12" fill="hold">
+                            <p:stCondLst>
+                              <p:cond delay="0"/>
+                            </p:stCondLst>
+                            <p:childTnLst>
+                              <p:par>
+                                <p:cTn id="13" presetID="1" presetClass="entr" presetSubtype="0" fill="hold" grpId="0" nodeType="clickEffect">
+                                  <p:stCondLst>
+                                    <p:cond delay="0"/>
+                                  </p:stCondLst>
+                                  <p:childTnLst>
+                                    <p:set>
+                                      <p:cBhvr>
+                                        <p:cTn id="14" dur="1" fill="hold">
+                                          <p:stCondLst>
+                                            <p:cond delay="0"/>
+                                          </p:stCondLst>
+                                        </p:cTn>
+                                        <p:tgtEl>
+                                          <p:spTgt spid="9"/>
+                                        </p:tgtEl>
+                                        <p:attrNameLst>
+                                          <p:attrName>style.visibility</p:attrName>
+                                        </p:attrNameLst>
+                                      </p:cBhvr>
+                                      <p:to>
+                                        <p:strVal val="visible"/>
+                                      </p:to>
+                                    </p:set>
+                                  </p:childTnLst>
+                                </p:cTn>
+                              </p:par>
+                            </p:childTnLst>
+                          </p:cTn>
+                        </p:par>
+                      </p:childTnLst>
+                    </p:cTn>
+                  </p:par>
                 </p:childTnLst>
               </p:cTn>
               <p:prevCondLst>
@@ -25263,6 +26702,7 @@
     <p:bldLst>
       <p:bldP spid="5" grpId="0" animBg="1"/>
       <p:bldP spid="7" grpId="0" animBg="1"/>
+      <p:bldP spid="9" grpId="0"/>
     </p:bldLst>
   </p:timing>
 </p:sld>
@@ -26278,6 +27718,51 @@
                       </p:childTnLst>
                     </p:cTn>
                   </p:par>
+                  <p:par>
+                    <p:cTn id="7" fill="hold">
+                      <p:stCondLst>
+                        <p:cond delay="indefinite"/>
+                      </p:stCondLst>
+                      <p:childTnLst>
+                        <p:par>
+                          <p:cTn id="8" fill="hold">
+                            <p:stCondLst>
+                              <p:cond delay="0"/>
+                            </p:stCondLst>
+                            <p:childTnLst>
+                              <p:par>
+                                <p:cTn id="9" presetID="1" presetClass="entr" presetSubtype="0" fill="hold" grpId="0" nodeType="clickEffect">
+                                  <p:stCondLst>
+                                    <p:cond delay="0"/>
+                                  </p:stCondLst>
+                                  <p:childTnLst>
+                                    <p:set>
+                                      <p:cBhvr>
+                                        <p:cTn id="10" dur="1" fill="hold">
+                                          <p:stCondLst>
+                                            <p:cond delay="0"/>
+                                          </p:stCondLst>
+                                        </p:cTn>
+                                        <p:tgtEl>
+                                          <p:spTgt spid="14"/>
+                                        </p:tgtEl>
+                                        <p:attrNameLst>
+                                          <p:attrName>style.visibility</p:attrName>
+                                        </p:attrNameLst>
+                                      </p:cBhvr>
+                                      <p:to>
+                                        <p:strVal val="visible"/>
+                                      </p:to>
+                                    </p:set>
+                                  </p:childTnLst>
+                                </p:cTn>
+                              </p:par>
+                            </p:childTnLst>
+                          </p:cTn>
+                        </p:par>
+                      </p:childTnLst>
+                    </p:cTn>
+                  </p:par>
                 </p:childTnLst>
               </p:cTn>
               <p:prevCondLst>
@@ -26301,6 +27786,7 @@
     </p:tnLst>
     <p:bldLst>
       <p:bldP spid="5" grpId="0" animBg="1"/>
+      <p:bldP spid="14" grpId="0"/>
     </p:bldLst>
   </p:timing>
 </p:sld>
@@ -29445,7 +30931,7 @@
                             </p:stCondLst>
                             <p:childTnLst>
                               <p:par>
-                                <p:cTn id="5" presetID="1" presetClass="entr" presetSubtype="0" fill="hold" grpId="0" nodeType="clickEffect">
+                                <p:cTn id="5" presetID="1" presetClass="entr" presetSubtype="0" fill="hold" nodeType="clickEffect">
                                   <p:stCondLst>
                                     <p:cond delay="0"/>
                                   </p:stCondLst>
@@ -29458,7 +30944,195 @@
                                           </p:stCondLst>
                                         </p:cTn>
                                         <p:tgtEl>
+                                          <p:spTgt spid="3">
+                                            <p:txEl>
+                                              <p:pRg st="1" end="1"/>
+                                            </p:txEl>
+                                          </p:spTgt>
+                                        </p:tgtEl>
+                                        <p:attrNameLst>
+                                          <p:attrName>style.visibility</p:attrName>
+                                        </p:attrNameLst>
+                                      </p:cBhvr>
+                                      <p:to>
+                                        <p:strVal val="visible"/>
+                                      </p:to>
+                                    </p:set>
+                                  </p:childTnLst>
+                                </p:cTn>
+                              </p:par>
+                            </p:childTnLst>
+                          </p:cTn>
+                        </p:par>
+                      </p:childTnLst>
+                    </p:cTn>
+                  </p:par>
+                  <p:par>
+                    <p:cTn id="7" fill="hold">
+                      <p:stCondLst>
+                        <p:cond delay="indefinite"/>
+                      </p:stCondLst>
+                      <p:childTnLst>
+                        <p:par>
+                          <p:cTn id="8" fill="hold">
+                            <p:stCondLst>
+                              <p:cond delay="0"/>
+                            </p:stCondLst>
+                            <p:childTnLst>
+                              <p:par>
+                                <p:cTn id="9" presetID="1" presetClass="entr" presetSubtype="0" fill="hold" grpId="0" nodeType="clickEffect">
+                                  <p:stCondLst>
+                                    <p:cond delay="0"/>
+                                  </p:stCondLst>
+                                  <p:childTnLst>
+                                    <p:set>
+                                      <p:cBhvr>
+                                        <p:cTn id="10" dur="1" fill="hold">
+                                          <p:stCondLst>
+                                            <p:cond delay="0"/>
+                                          </p:stCondLst>
+                                        </p:cTn>
+                                        <p:tgtEl>
+                                          <p:spTgt spid="7"/>
+                                        </p:tgtEl>
+                                        <p:attrNameLst>
+                                          <p:attrName>style.visibility</p:attrName>
+                                        </p:attrNameLst>
+                                      </p:cBhvr>
+                                      <p:to>
+                                        <p:strVal val="visible"/>
+                                      </p:to>
+                                    </p:set>
+                                  </p:childTnLst>
+                                </p:cTn>
+                              </p:par>
+                            </p:childTnLst>
+                          </p:cTn>
+                        </p:par>
+                      </p:childTnLst>
+                    </p:cTn>
+                  </p:par>
+                  <p:par>
+                    <p:cTn id="11" fill="hold">
+                      <p:stCondLst>
+                        <p:cond delay="indefinite"/>
+                      </p:stCondLst>
+                      <p:childTnLst>
+                        <p:par>
+                          <p:cTn id="12" fill="hold">
+                            <p:stCondLst>
+                              <p:cond delay="0"/>
+                            </p:stCondLst>
+                            <p:childTnLst>
+                              <p:par>
+                                <p:cTn id="13" presetID="1" presetClass="entr" presetSubtype="0" fill="hold" grpId="0" nodeType="clickEffect">
+                                  <p:stCondLst>
+                                    <p:cond delay="0"/>
+                                  </p:stCondLst>
+                                  <p:childTnLst>
+                                    <p:set>
+                                      <p:cBhvr>
+                                        <p:cTn id="14" dur="1" fill="hold">
+                                          <p:stCondLst>
+                                            <p:cond delay="0"/>
+                                          </p:stCondLst>
+                                        </p:cTn>
+                                        <p:tgtEl>
+                                          <p:spTgt spid="9"/>
+                                        </p:tgtEl>
+                                        <p:attrNameLst>
+                                          <p:attrName>style.visibility</p:attrName>
+                                        </p:attrNameLst>
+                                      </p:cBhvr>
+                                      <p:to>
+                                        <p:strVal val="visible"/>
+                                      </p:to>
+                                    </p:set>
+                                  </p:childTnLst>
+                                </p:cTn>
+                              </p:par>
+                            </p:childTnLst>
+                          </p:cTn>
+                        </p:par>
+                      </p:childTnLst>
+                    </p:cTn>
+                  </p:par>
+                  <p:par>
+                    <p:cTn id="15" fill="hold">
+                      <p:stCondLst>
+                        <p:cond delay="indefinite"/>
+                      </p:stCondLst>
+                      <p:childTnLst>
+                        <p:par>
+                          <p:cTn id="16" fill="hold">
+                            <p:stCondLst>
+                              <p:cond delay="0"/>
+                            </p:stCondLst>
+                            <p:childTnLst>
+                              <p:par>
+                                <p:cTn id="17" presetID="1" presetClass="entr" presetSubtype="0" fill="hold" grpId="0" nodeType="clickEffect">
+                                  <p:stCondLst>
+                                    <p:cond delay="0"/>
+                                  </p:stCondLst>
+                                  <p:childTnLst>
+                                    <p:set>
+                                      <p:cBhvr>
+                                        <p:cTn id="18" dur="1" fill="hold">
+                                          <p:stCondLst>
+                                            <p:cond delay="0"/>
+                                          </p:stCondLst>
+                                        </p:cTn>
+                                        <p:tgtEl>
                                           <p:spTgt spid="8"/>
+                                        </p:tgtEl>
+                                        <p:attrNameLst>
+                                          <p:attrName>style.visibility</p:attrName>
+                                        </p:attrNameLst>
+                                      </p:cBhvr>
+                                      <p:to>
+                                        <p:strVal val="visible"/>
+                                      </p:to>
+                                    </p:set>
+                                  </p:childTnLst>
+                                </p:cTn>
+                              </p:par>
+                            </p:childTnLst>
+                          </p:cTn>
+                        </p:par>
+                      </p:childTnLst>
+                    </p:cTn>
+                  </p:par>
+                  <p:par>
+                    <p:cTn id="19" fill="hold">
+                      <p:stCondLst>
+                        <p:cond delay="indefinite"/>
+                      </p:stCondLst>
+                      <p:childTnLst>
+                        <p:par>
+                          <p:cTn id="20" fill="hold">
+                            <p:stCondLst>
+                              <p:cond delay="0"/>
+                            </p:stCondLst>
+                            <p:childTnLst>
+                              <p:par>
+                                <p:cTn id="21" presetID="1" presetClass="entr" presetSubtype="0" fill="hold" nodeType="clickEffect">
+                                  <p:stCondLst>
+                                    <p:cond delay="0"/>
+                                  </p:stCondLst>
+                                  <p:childTnLst>
+                                    <p:set>
+                                      <p:cBhvr>
+                                        <p:cTn id="22" dur="1" fill="hold">
+                                          <p:stCondLst>
+                                            <p:cond delay="0"/>
+                                          </p:stCondLst>
+                                        </p:cTn>
+                                        <p:tgtEl>
+                                          <p:spTgt spid="3">
+                                            <p:txEl>
+                                              <p:pRg st="7" end="7"/>
+                                            </p:txEl>
+                                          </p:spTgt>
                                         </p:tgtEl>
                                         <p:attrNameLst>
                                           <p:attrName>style.visibility</p:attrName>
@@ -29499,6 +31173,8 @@
       </p:par>
     </p:tnLst>
     <p:bldLst>
+      <p:bldP spid="7" grpId="0" animBg="1"/>
+      <p:bldP spid="9" grpId="0" animBg="1"/>
       <p:bldP spid="8" grpId="0" animBg="1"/>
     </p:bldLst>
   </p:timing>
@@ -30554,6 +32230,354 @@
   <p:clrMapOvr>
     <a:masterClrMapping/>
   </p:clrMapOvr>
+  <p:timing>
+    <p:tnLst>
+      <p:par>
+        <p:cTn id="1" dur="indefinite" restart="never" nodeType="tmRoot">
+          <p:childTnLst>
+            <p:seq concurrent="1" nextAc="seek">
+              <p:cTn id="2" dur="indefinite" nodeType="mainSeq">
+                <p:childTnLst>
+                  <p:par>
+                    <p:cTn id="3" fill="hold">
+                      <p:stCondLst>
+                        <p:cond delay="indefinite"/>
+                      </p:stCondLst>
+                      <p:childTnLst>
+                        <p:par>
+                          <p:cTn id="4" fill="hold">
+                            <p:stCondLst>
+                              <p:cond delay="0"/>
+                            </p:stCondLst>
+                            <p:childTnLst>
+                              <p:par>
+                                <p:cTn id="5" presetID="1" presetClass="entr" presetSubtype="0" fill="hold" grpId="0" nodeType="clickEffect">
+                                  <p:stCondLst>
+                                    <p:cond delay="0"/>
+                                  </p:stCondLst>
+                                  <p:childTnLst>
+                                    <p:set>
+                                      <p:cBhvr>
+                                        <p:cTn id="6" dur="1" fill="hold">
+                                          <p:stCondLst>
+                                            <p:cond delay="0"/>
+                                          </p:stCondLst>
+                                        </p:cTn>
+                                        <p:tgtEl>
+                                          <p:spTgt spid="6"/>
+                                        </p:tgtEl>
+                                        <p:attrNameLst>
+                                          <p:attrName>style.visibility</p:attrName>
+                                        </p:attrNameLst>
+                                      </p:cBhvr>
+                                      <p:to>
+                                        <p:strVal val="visible"/>
+                                      </p:to>
+                                    </p:set>
+                                  </p:childTnLst>
+                                </p:cTn>
+                              </p:par>
+                              <p:par>
+                                <p:cTn id="7" presetID="1" presetClass="entr" presetSubtype="0" fill="hold" grpId="0" nodeType="withEffect">
+                                  <p:stCondLst>
+                                    <p:cond delay="0"/>
+                                  </p:stCondLst>
+                                  <p:childTnLst>
+                                    <p:set>
+                                      <p:cBhvr>
+                                        <p:cTn id="8" dur="1" fill="hold">
+                                          <p:stCondLst>
+                                            <p:cond delay="0"/>
+                                          </p:stCondLst>
+                                        </p:cTn>
+                                        <p:tgtEl>
+                                          <p:spTgt spid="7"/>
+                                        </p:tgtEl>
+                                        <p:attrNameLst>
+                                          <p:attrName>style.visibility</p:attrName>
+                                        </p:attrNameLst>
+                                      </p:cBhvr>
+                                      <p:to>
+                                        <p:strVal val="visible"/>
+                                      </p:to>
+                                    </p:set>
+                                  </p:childTnLst>
+                                </p:cTn>
+                              </p:par>
+                              <p:par>
+                                <p:cTn id="9" presetID="1" presetClass="entr" presetSubtype="0" fill="hold" grpId="0" nodeType="withEffect">
+                                  <p:stCondLst>
+                                    <p:cond delay="0"/>
+                                  </p:stCondLst>
+                                  <p:childTnLst>
+                                    <p:set>
+                                      <p:cBhvr>
+                                        <p:cTn id="10" dur="1" fill="hold">
+                                          <p:stCondLst>
+                                            <p:cond delay="0"/>
+                                          </p:stCondLst>
+                                        </p:cTn>
+                                        <p:tgtEl>
+                                          <p:spTgt spid="8"/>
+                                        </p:tgtEl>
+                                        <p:attrNameLst>
+                                          <p:attrName>style.visibility</p:attrName>
+                                        </p:attrNameLst>
+                                      </p:cBhvr>
+                                      <p:to>
+                                        <p:strVal val="visible"/>
+                                      </p:to>
+                                    </p:set>
+                                  </p:childTnLst>
+                                </p:cTn>
+                              </p:par>
+                              <p:par>
+                                <p:cTn id="11" presetID="1" presetClass="entr" presetSubtype="0" fill="hold" grpId="0" nodeType="withEffect">
+                                  <p:stCondLst>
+                                    <p:cond delay="0"/>
+                                  </p:stCondLst>
+                                  <p:childTnLst>
+                                    <p:set>
+                                      <p:cBhvr>
+                                        <p:cTn id="12" dur="1" fill="hold">
+                                          <p:stCondLst>
+                                            <p:cond delay="0"/>
+                                          </p:stCondLst>
+                                        </p:cTn>
+                                        <p:tgtEl>
+                                          <p:spTgt spid="10"/>
+                                        </p:tgtEl>
+                                        <p:attrNameLst>
+                                          <p:attrName>style.visibility</p:attrName>
+                                        </p:attrNameLst>
+                                      </p:cBhvr>
+                                      <p:to>
+                                        <p:strVal val="visible"/>
+                                      </p:to>
+                                    </p:set>
+                                  </p:childTnLst>
+                                </p:cTn>
+                              </p:par>
+                              <p:par>
+                                <p:cTn id="13" presetID="1" presetClass="entr" presetSubtype="0" fill="hold" grpId="0" nodeType="withEffect">
+                                  <p:stCondLst>
+                                    <p:cond delay="0"/>
+                                  </p:stCondLst>
+                                  <p:childTnLst>
+                                    <p:set>
+                                      <p:cBhvr>
+                                        <p:cTn id="14" dur="1" fill="hold">
+                                          <p:stCondLst>
+                                            <p:cond delay="0"/>
+                                          </p:stCondLst>
+                                        </p:cTn>
+                                        <p:tgtEl>
+                                          <p:spTgt spid="11"/>
+                                        </p:tgtEl>
+                                        <p:attrNameLst>
+                                          <p:attrName>style.visibility</p:attrName>
+                                        </p:attrNameLst>
+                                      </p:cBhvr>
+                                      <p:to>
+                                        <p:strVal val="visible"/>
+                                      </p:to>
+                                    </p:set>
+                                  </p:childTnLst>
+                                </p:cTn>
+                              </p:par>
+                              <p:par>
+                                <p:cTn id="15" presetID="1" presetClass="entr" presetSubtype="0" fill="hold" grpId="0" nodeType="withEffect">
+                                  <p:stCondLst>
+                                    <p:cond delay="0"/>
+                                  </p:stCondLst>
+                                  <p:childTnLst>
+                                    <p:set>
+                                      <p:cBhvr>
+                                        <p:cTn id="16" dur="1" fill="hold">
+                                          <p:stCondLst>
+                                            <p:cond delay="0"/>
+                                          </p:stCondLst>
+                                        </p:cTn>
+                                        <p:tgtEl>
+                                          <p:spTgt spid="12"/>
+                                        </p:tgtEl>
+                                        <p:attrNameLst>
+                                          <p:attrName>style.visibility</p:attrName>
+                                        </p:attrNameLst>
+                                      </p:cBhvr>
+                                      <p:to>
+                                        <p:strVal val="visible"/>
+                                      </p:to>
+                                    </p:set>
+                                  </p:childTnLst>
+                                </p:cTn>
+                              </p:par>
+                              <p:par>
+                                <p:cTn id="17" presetID="1" presetClass="entr" presetSubtype="0" fill="hold" grpId="0" nodeType="withEffect">
+                                  <p:stCondLst>
+                                    <p:cond delay="0"/>
+                                  </p:stCondLst>
+                                  <p:childTnLst>
+                                    <p:set>
+                                      <p:cBhvr>
+                                        <p:cTn id="18" dur="1" fill="hold">
+                                          <p:stCondLst>
+                                            <p:cond delay="0"/>
+                                          </p:stCondLst>
+                                        </p:cTn>
+                                        <p:tgtEl>
+                                          <p:spTgt spid="13"/>
+                                        </p:tgtEl>
+                                        <p:attrNameLst>
+                                          <p:attrName>style.visibility</p:attrName>
+                                        </p:attrNameLst>
+                                      </p:cBhvr>
+                                      <p:to>
+                                        <p:strVal val="visible"/>
+                                      </p:to>
+                                    </p:set>
+                                  </p:childTnLst>
+                                </p:cTn>
+                              </p:par>
+                              <p:par>
+                                <p:cTn id="19" presetID="1" presetClass="entr" presetSubtype="0" fill="hold" grpId="0" nodeType="withEffect">
+                                  <p:stCondLst>
+                                    <p:cond delay="0"/>
+                                  </p:stCondLst>
+                                  <p:childTnLst>
+                                    <p:set>
+                                      <p:cBhvr>
+                                        <p:cTn id="20" dur="1" fill="hold">
+                                          <p:stCondLst>
+                                            <p:cond delay="0"/>
+                                          </p:stCondLst>
+                                        </p:cTn>
+                                        <p:tgtEl>
+                                          <p:spTgt spid="14"/>
+                                        </p:tgtEl>
+                                        <p:attrNameLst>
+                                          <p:attrName>style.visibility</p:attrName>
+                                        </p:attrNameLst>
+                                      </p:cBhvr>
+                                      <p:to>
+                                        <p:strVal val="visible"/>
+                                      </p:to>
+                                    </p:set>
+                                  </p:childTnLst>
+                                </p:cTn>
+                              </p:par>
+                              <p:par>
+                                <p:cTn id="21" presetID="1" presetClass="entr" presetSubtype="0" fill="hold" grpId="0" nodeType="withEffect">
+                                  <p:stCondLst>
+                                    <p:cond delay="0"/>
+                                  </p:stCondLst>
+                                  <p:childTnLst>
+                                    <p:set>
+                                      <p:cBhvr>
+                                        <p:cTn id="22" dur="1" fill="hold">
+                                          <p:stCondLst>
+                                            <p:cond delay="0"/>
+                                          </p:stCondLst>
+                                        </p:cTn>
+                                        <p:tgtEl>
+                                          <p:spTgt spid="15"/>
+                                        </p:tgtEl>
+                                        <p:attrNameLst>
+                                          <p:attrName>style.visibility</p:attrName>
+                                        </p:attrNameLst>
+                                      </p:cBhvr>
+                                      <p:to>
+                                        <p:strVal val="visible"/>
+                                      </p:to>
+                                    </p:set>
+                                  </p:childTnLst>
+                                </p:cTn>
+                              </p:par>
+                            </p:childTnLst>
+                          </p:cTn>
+                        </p:par>
+                      </p:childTnLst>
+                    </p:cTn>
+                  </p:par>
+                  <p:par>
+                    <p:cTn id="23" fill="hold">
+                      <p:stCondLst>
+                        <p:cond delay="indefinite"/>
+                      </p:stCondLst>
+                      <p:childTnLst>
+                        <p:par>
+                          <p:cTn id="24" fill="hold">
+                            <p:stCondLst>
+                              <p:cond delay="0"/>
+                            </p:stCondLst>
+                            <p:childTnLst>
+                              <p:par>
+                                <p:cTn id="25" presetID="1" presetClass="entr" presetSubtype="0" fill="hold" grpId="0" nodeType="clickEffect">
+                                  <p:stCondLst>
+                                    <p:cond delay="0"/>
+                                  </p:stCondLst>
+                                  <p:childTnLst>
+                                    <p:set>
+                                      <p:cBhvr>
+                                        <p:cTn id="26" dur="1" fill="hold">
+                                          <p:stCondLst>
+                                            <p:cond delay="0"/>
+                                          </p:stCondLst>
+                                        </p:cTn>
+                                        <p:tgtEl>
+                                          <p:spTgt spid="17"/>
+                                        </p:tgtEl>
+                                        <p:attrNameLst>
+                                          <p:attrName>style.visibility</p:attrName>
+                                        </p:attrNameLst>
+                                      </p:cBhvr>
+                                      <p:to>
+                                        <p:strVal val="visible"/>
+                                      </p:to>
+                                    </p:set>
+                                  </p:childTnLst>
+                                </p:cTn>
+                              </p:par>
+                            </p:childTnLst>
+                          </p:cTn>
+                        </p:par>
+                      </p:childTnLst>
+                    </p:cTn>
+                  </p:par>
+                </p:childTnLst>
+              </p:cTn>
+              <p:prevCondLst>
+                <p:cond evt="onPrev" delay="0">
+                  <p:tgtEl>
+                    <p:sldTgt/>
+                  </p:tgtEl>
+                </p:cond>
+              </p:prevCondLst>
+              <p:nextCondLst>
+                <p:cond evt="onNext" delay="0">
+                  <p:tgtEl>
+                    <p:sldTgt/>
+                  </p:tgtEl>
+                </p:cond>
+              </p:nextCondLst>
+            </p:seq>
+          </p:childTnLst>
+        </p:cTn>
+      </p:par>
+    </p:tnLst>
+    <p:bldLst>
+      <p:bldP spid="6" grpId="0" animBg="1"/>
+      <p:bldP spid="7" grpId="0" animBg="1"/>
+      <p:bldP spid="8" grpId="0" animBg="1"/>
+      <p:bldP spid="10" grpId="0" animBg="1"/>
+      <p:bldP spid="11" grpId="0" animBg="1"/>
+      <p:bldP spid="12" grpId="0" animBg="1"/>
+      <p:bldP spid="13" grpId="0" animBg="1"/>
+      <p:bldP spid="14" grpId="0" animBg="1"/>
+      <p:bldP spid="15" grpId="0" animBg="1"/>
+      <p:bldP spid="17" grpId="0"/>
+    </p:bldLst>
+  </p:timing>
 </p:sld>
 </file>
 
@@ -30985,6 +33009,263 @@
   <p:clrMapOvr>
     <a:masterClrMapping/>
   </p:clrMapOvr>
+  <p:timing>
+    <p:tnLst>
+      <p:par>
+        <p:cTn id="1" dur="indefinite" restart="never" nodeType="tmRoot">
+          <p:childTnLst>
+            <p:seq concurrent="1" nextAc="seek">
+              <p:cTn id="2" dur="indefinite" nodeType="mainSeq">
+                <p:childTnLst>
+                  <p:par>
+                    <p:cTn id="3" fill="hold">
+                      <p:stCondLst>
+                        <p:cond delay="indefinite"/>
+                      </p:stCondLst>
+                      <p:childTnLst>
+                        <p:par>
+                          <p:cTn id="4" fill="hold">
+                            <p:stCondLst>
+                              <p:cond delay="0"/>
+                            </p:stCondLst>
+                            <p:childTnLst>
+                              <p:par>
+                                <p:cTn id="5" presetID="1" presetClass="entr" presetSubtype="0" fill="hold" nodeType="clickEffect">
+                                  <p:stCondLst>
+                                    <p:cond delay="0"/>
+                                  </p:stCondLst>
+                                  <p:childTnLst>
+                                    <p:set>
+                                      <p:cBhvr>
+                                        <p:cTn id="6" dur="1" fill="hold">
+                                          <p:stCondLst>
+                                            <p:cond delay="0"/>
+                                          </p:stCondLst>
+                                        </p:cTn>
+                                        <p:tgtEl>
+                                          <p:spTgt spid="5">
+                                            <p:txEl>
+                                              <p:pRg st="1" end="1"/>
+                                            </p:txEl>
+                                          </p:spTgt>
+                                        </p:tgtEl>
+                                        <p:attrNameLst>
+                                          <p:attrName>style.visibility</p:attrName>
+                                        </p:attrNameLst>
+                                      </p:cBhvr>
+                                      <p:to>
+                                        <p:strVal val="visible"/>
+                                      </p:to>
+                                    </p:set>
+                                  </p:childTnLst>
+                                </p:cTn>
+                              </p:par>
+                            </p:childTnLst>
+                          </p:cTn>
+                        </p:par>
+                      </p:childTnLst>
+                    </p:cTn>
+                  </p:par>
+                  <p:par>
+                    <p:cTn id="7" fill="hold">
+                      <p:stCondLst>
+                        <p:cond delay="indefinite"/>
+                      </p:stCondLst>
+                      <p:childTnLst>
+                        <p:par>
+                          <p:cTn id="8" fill="hold">
+                            <p:stCondLst>
+                              <p:cond delay="0"/>
+                            </p:stCondLst>
+                            <p:childTnLst>
+                              <p:par>
+                                <p:cTn id="9" presetID="1" presetClass="entr" presetSubtype="0" fill="hold" nodeType="clickEffect">
+                                  <p:stCondLst>
+                                    <p:cond delay="0"/>
+                                  </p:stCondLst>
+                                  <p:childTnLst>
+                                    <p:set>
+                                      <p:cBhvr>
+                                        <p:cTn id="10" dur="1" fill="hold">
+                                          <p:stCondLst>
+                                            <p:cond delay="0"/>
+                                          </p:stCondLst>
+                                        </p:cTn>
+                                        <p:tgtEl>
+                                          <p:spTgt spid="5">
+                                            <p:txEl>
+                                              <p:pRg st="2" end="2"/>
+                                            </p:txEl>
+                                          </p:spTgt>
+                                        </p:tgtEl>
+                                        <p:attrNameLst>
+                                          <p:attrName>style.visibility</p:attrName>
+                                        </p:attrNameLst>
+                                      </p:cBhvr>
+                                      <p:to>
+                                        <p:strVal val="visible"/>
+                                      </p:to>
+                                    </p:set>
+                                  </p:childTnLst>
+                                </p:cTn>
+                              </p:par>
+                            </p:childTnLst>
+                          </p:cTn>
+                        </p:par>
+                      </p:childTnLst>
+                    </p:cTn>
+                  </p:par>
+                  <p:par>
+                    <p:cTn id="11" fill="hold">
+                      <p:stCondLst>
+                        <p:cond delay="indefinite"/>
+                      </p:stCondLst>
+                      <p:childTnLst>
+                        <p:par>
+                          <p:cTn id="12" fill="hold">
+                            <p:stCondLst>
+                              <p:cond delay="0"/>
+                            </p:stCondLst>
+                            <p:childTnLst>
+                              <p:par>
+                                <p:cTn id="13" presetID="1" presetClass="entr" presetSubtype="0" fill="hold" nodeType="clickEffect">
+                                  <p:stCondLst>
+                                    <p:cond delay="0"/>
+                                  </p:stCondLst>
+                                  <p:childTnLst>
+                                    <p:set>
+                                      <p:cBhvr>
+                                        <p:cTn id="14" dur="1" fill="hold">
+                                          <p:stCondLst>
+                                            <p:cond delay="0"/>
+                                          </p:stCondLst>
+                                        </p:cTn>
+                                        <p:tgtEl>
+                                          <p:spTgt spid="5">
+                                            <p:txEl>
+                                              <p:pRg st="3" end="3"/>
+                                            </p:txEl>
+                                          </p:spTgt>
+                                        </p:tgtEl>
+                                        <p:attrNameLst>
+                                          <p:attrName>style.visibility</p:attrName>
+                                        </p:attrNameLst>
+                                      </p:cBhvr>
+                                      <p:to>
+                                        <p:strVal val="visible"/>
+                                      </p:to>
+                                    </p:set>
+                                  </p:childTnLst>
+                                </p:cTn>
+                              </p:par>
+                              <p:par>
+                                <p:cTn id="15" presetID="1" presetClass="entr" presetSubtype="0" fill="hold" nodeType="withEffect">
+                                  <p:stCondLst>
+                                    <p:cond delay="0"/>
+                                  </p:stCondLst>
+                                  <p:childTnLst>
+                                    <p:set>
+                                      <p:cBhvr>
+                                        <p:cTn id="16" dur="1" fill="hold">
+                                          <p:stCondLst>
+                                            <p:cond delay="0"/>
+                                          </p:stCondLst>
+                                        </p:cTn>
+                                        <p:tgtEl>
+                                          <p:spTgt spid="5">
+                                            <p:txEl>
+                                              <p:pRg st="4" end="4"/>
+                                            </p:txEl>
+                                          </p:spTgt>
+                                        </p:tgtEl>
+                                        <p:attrNameLst>
+                                          <p:attrName>style.visibility</p:attrName>
+                                        </p:attrNameLst>
+                                      </p:cBhvr>
+                                      <p:to>
+                                        <p:strVal val="visible"/>
+                                      </p:to>
+                                    </p:set>
+                                  </p:childTnLst>
+                                </p:cTn>
+                              </p:par>
+                            </p:childTnLst>
+                          </p:cTn>
+                        </p:par>
+                      </p:childTnLst>
+                    </p:cTn>
+                  </p:par>
+                  <p:par>
+                    <p:cTn id="17" fill="hold">
+                      <p:stCondLst>
+                        <p:cond delay="indefinite"/>
+                      </p:stCondLst>
+                      <p:childTnLst>
+                        <p:par>
+                          <p:cTn id="18" fill="hold">
+                            <p:stCondLst>
+                              <p:cond delay="0"/>
+                            </p:stCondLst>
+                            <p:childTnLst>
+                              <p:par>
+                                <p:cTn id="19" presetID="1" presetClass="entr" presetSubtype="0" fill="hold" nodeType="clickEffect">
+                                  <p:stCondLst>
+                                    <p:cond delay="0"/>
+                                  </p:stCondLst>
+                                  <p:childTnLst>
+                                    <p:set>
+                                      <p:cBhvr>
+                                        <p:cTn id="20" dur="1" fill="hold">
+                                          <p:stCondLst>
+                                            <p:cond delay="0"/>
+                                          </p:stCondLst>
+                                        </p:cTn>
+                                        <p:tgtEl>
+                                          <p:spTgt spid="5">
+                                            <p:txEl>
+                                              <p:pRg st="5" end="5"/>
+                                            </p:txEl>
+                                          </p:spTgt>
+                                        </p:tgtEl>
+                                        <p:attrNameLst>
+                                          <p:attrName>style.visibility</p:attrName>
+                                        </p:attrNameLst>
+                                      </p:cBhvr>
+                                      <p:to>
+                                        <p:strVal val="visible"/>
+                                      </p:to>
+                                    </p:set>
+                                  </p:childTnLst>
+                                </p:cTn>
+                              </p:par>
+                            </p:childTnLst>
+                          </p:cTn>
+                        </p:par>
+                      </p:childTnLst>
+                    </p:cTn>
+                  </p:par>
+                </p:childTnLst>
+              </p:cTn>
+              <p:prevCondLst>
+                <p:cond evt="onPrev" delay="0">
+                  <p:tgtEl>
+                    <p:sldTgt/>
+                  </p:tgtEl>
+                </p:cond>
+              </p:prevCondLst>
+              <p:nextCondLst>
+                <p:cond evt="onNext" delay="0">
+                  <p:tgtEl>
+                    <p:sldTgt/>
+                  </p:tgtEl>
+                </p:cond>
+              </p:nextCondLst>
+            </p:seq>
+          </p:childTnLst>
+        </p:cTn>
+      </p:par>
+    </p:tnLst>
+  </p:timing>
 </p:sld>
 </file>
 
@@ -33161,6 +35442,202 @@
                                         <p:tgtEl>
                                           <p:spTgt spid="429059">
                                             <p:txEl>
+                                              <p:pRg st="1" end="1"/>
+                                            </p:txEl>
+                                          </p:spTgt>
+                                        </p:tgtEl>
+                                        <p:attrNameLst>
+                                          <p:attrName>style.visibility</p:attrName>
+                                        </p:attrNameLst>
+                                      </p:cBhvr>
+                                      <p:to>
+                                        <p:strVal val="visible"/>
+                                      </p:to>
+                                    </p:set>
+                                  </p:childTnLst>
+                                </p:cTn>
+                              </p:par>
+                            </p:childTnLst>
+                          </p:cTn>
+                        </p:par>
+                      </p:childTnLst>
+                    </p:cTn>
+                  </p:par>
+                  <p:par>
+                    <p:cTn id="7" fill="hold">
+                      <p:stCondLst>
+                        <p:cond delay="indefinite"/>
+                      </p:stCondLst>
+                      <p:childTnLst>
+                        <p:par>
+                          <p:cTn id="8" fill="hold">
+                            <p:stCondLst>
+                              <p:cond delay="0"/>
+                            </p:stCondLst>
+                            <p:childTnLst>
+                              <p:par>
+                                <p:cTn id="9" presetID="1" presetClass="entr" presetSubtype="0" fill="hold" nodeType="clickEffect">
+                                  <p:stCondLst>
+                                    <p:cond delay="0"/>
+                                  </p:stCondLst>
+                                  <p:childTnLst>
+                                    <p:set>
+                                      <p:cBhvr>
+                                        <p:cTn id="10" dur="1" fill="hold">
+                                          <p:stCondLst>
+                                            <p:cond delay="0"/>
+                                          </p:stCondLst>
+                                        </p:cTn>
+                                        <p:tgtEl>
+                                          <p:spTgt spid="429059">
+                                            <p:txEl>
+                                              <p:pRg st="2" end="2"/>
+                                            </p:txEl>
+                                          </p:spTgt>
+                                        </p:tgtEl>
+                                        <p:attrNameLst>
+                                          <p:attrName>style.visibility</p:attrName>
+                                        </p:attrNameLst>
+                                      </p:cBhvr>
+                                      <p:to>
+                                        <p:strVal val="visible"/>
+                                      </p:to>
+                                    </p:set>
+                                  </p:childTnLst>
+                                </p:cTn>
+                              </p:par>
+                            </p:childTnLst>
+                          </p:cTn>
+                        </p:par>
+                      </p:childTnLst>
+                    </p:cTn>
+                  </p:par>
+                  <p:par>
+                    <p:cTn id="11" fill="hold">
+                      <p:stCondLst>
+                        <p:cond delay="indefinite"/>
+                      </p:stCondLst>
+                      <p:childTnLst>
+                        <p:par>
+                          <p:cTn id="12" fill="hold">
+                            <p:stCondLst>
+                              <p:cond delay="0"/>
+                            </p:stCondLst>
+                            <p:childTnLst>
+                              <p:par>
+                                <p:cTn id="13" presetID="1" presetClass="entr" presetSubtype="0" fill="hold" nodeType="clickEffect">
+                                  <p:stCondLst>
+                                    <p:cond delay="0"/>
+                                  </p:stCondLst>
+                                  <p:childTnLst>
+                                    <p:set>
+                                      <p:cBhvr>
+                                        <p:cTn id="14" dur="1" fill="hold">
+                                          <p:stCondLst>
+                                            <p:cond delay="0"/>
+                                          </p:stCondLst>
+                                        </p:cTn>
+                                        <p:tgtEl>
+                                          <p:spTgt spid="429059">
+                                            <p:txEl>
+                                              <p:pRg st="3" end="3"/>
+                                            </p:txEl>
+                                          </p:spTgt>
+                                        </p:tgtEl>
+                                        <p:attrNameLst>
+                                          <p:attrName>style.visibility</p:attrName>
+                                        </p:attrNameLst>
+                                      </p:cBhvr>
+                                      <p:to>
+                                        <p:strVal val="visible"/>
+                                      </p:to>
+                                    </p:set>
+                                  </p:childTnLst>
+                                </p:cTn>
+                              </p:par>
+                            </p:childTnLst>
+                          </p:cTn>
+                        </p:par>
+                      </p:childTnLst>
+                    </p:cTn>
+                  </p:par>
+                  <p:par>
+                    <p:cTn id="15" fill="hold">
+                      <p:stCondLst>
+                        <p:cond delay="indefinite"/>
+                      </p:stCondLst>
+                      <p:childTnLst>
+                        <p:par>
+                          <p:cTn id="16" fill="hold">
+                            <p:stCondLst>
+                              <p:cond delay="0"/>
+                            </p:stCondLst>
+                            <p:childTnLst>
+                              <p:par>
+                                <p:cTn id="17" presetID="1" presetClass="entr" presetSubtype="0" fill="hold" nodeType="clickEffect">
+                                  <p:stCondLst>
+                                    <p:cond delay="0"/>
+                                  </p:stCondLst>
+                                  <p:childTnLst>
+                                    <p:set>
+                                      <p:cBhvr>
+                                        <p:cTn id="18" dur="1" fill="hold">
+                                          <p:stCondLst>
+                                            <p:cond delay="0"/>
+                                          </p:stCondLst>
+                                        </p:cTn>
+                                        <p:tgtEl>
+                                          <p:spTgt spid="429059">
+                                            <p:txEl>
+                                              <p:pRg st="4" end="4"/>
+                                            </p:txEl>
+                                          </p:spTgt>
+                                        </p:tgtEl>
+                                        <p:attrNameLst>
+                                          <p:attrName>style.visibility</p:attrName>
+                                        </p:attrNameLst>
+                                      </p:cBhvr>
+                                      <p:to>
+                                        <p:strVal val="visible"/>
+                                      </p:to>
+                                    </p:set>
+                                  </p:childTnLst>
+                                </p:cTn>
+                              </p:par>
+                            </p:childTnLst>
+                          </p:cTn>
+                        </p:par>
+                      </p:childTnLst>
+                    </p:cTn>
+                  </p:par>
+                  <p:par>
+                    <p:cTn id="19" fill="hold">
+                      <p:stCondLst>
+                        <p:cond delay="indefinite"/>
+                      </p:stCondLst>
+                      <p:childTnLst>
+                        <p:par>
+                          <p:cTn id="20" fill="hold">
+                            <p:stCondLst>
+                              <p:cond delay="0"/>
+                            </p:stCondLst>
+                            <p:childTnLst>
+                              <p:par>
+                                <p:cTn id="21" presetID="1" presetClass="entr" presetSubtype="0" fill="hold" nodeType="clickEffect">
+                                  <p:stCondLst>
+                                    <p:cond delay="0"/>
+                                  </p:stCondLst>
+                                  <p:childTnLst>
+                                    <p:set>
+                                      <p:cBhvr>
+                                        <p:cTn id="22" dur="1" fill="hold">
+                                          <p:stCondLst>
+                                            <p:cond delay="0"/>
+                                          </p:stCondLst>
+                                        </p:cTn>
+                                        <p:tgtEl>
+                                          <p:spTgt spid="429059">
+                                            <p:txEl>
                                               <p:pRg st="5" end="5"/>
                                             </p:txEl>
                                           </p:spTgt>
@@ -33177,14 +35654,14 @@
                                 </p:cTn>
                               </p:par>
                               <p:par>
-                                <p:cTn id="7" presetID="1" presetClass="entr" presetSubtype="0" fill="hold" nodeType="withEffect">
+                                <p:cTn id="23" presetID="1" presetClass="entr" presetSubtype="0" fill="hold" nodeType="withEffect">
                                   <p:stCondLst>
                                     <p:cond delay="0"/>
                                   </p:stCondLst>
                                   <p:childTnLst>
                                     <p:set>
                                       <p:cBhvr>
-                                        <p:cTn id="8" dur="1" fill="hold">
+                                        <p:cTn id="24" dur="1" fill="hold">
                                           <p:stCondLst>
                                             <p:cond delay="0"/>
                                           </p:stCondLst>
@@ -33214,26 +35691,26 @@
                     </p:cTn>
                   </p:par>
                   <p:par>
-                    <p:cTn id="9" fill="hold">
+                    <p:cTn id="25" fill="hold">
                       <p:stCondLst>
                         <p:cond delay="indefinite"/>
                       </p:stCondLst>
                       <p:childTnLst>
                         <p:par>
-                          <p:cTn id="10" fill="hold">
+                          <p:cTn id="26" fill="hold">
                             <p:stCondLst>
                               <p:cond delay="0"/>
                             </p:stCondLst>
                             <p:childTnLst>
                               <p:par>
-                                <p:cTn id="11" presetID="1" presetClass="entr" presetSubtype="0" fill="hold" nodeType="clickEffect">
+                                <p:cTn id="27" presetID="1" presetClass="entr" presetSubtype="0" fill="hold" nodeType="clickEffect">
                                   <p:stCondLst>
                                     <p:cond delay="0"/>
                                   </p:stCondLst>
                                   <p:childTnLst>
                                     <p:set>
                                       <p:cBhvr>
-                                        <p:cTn id="12" dur="1" fill="hold">
+                                        <p:cTn id="28" dur="1" fill="hold">
                                           <p:stCondLst>
                                             <p:cond delay="0"/>
                                           </p:stCondLst>
@@ -33256,33 +35733,15 @@
                                   </p:childTnLst>
                                 </p:cTn>
                               </p:par>
-                            </p:childTnLst>
-                          </p:cTn>
-                        </p:par>
-                      </p:childTnLst>
-                    </p:cTn>
-                  </p:par>
-                  <p:par>
-                    <p:cTn id="13" fill="hold">
-                      <p:stCondLst>
-                        <p:cond delay="indefinite"/>
-                      </p:stCondLst>
-                      <p:childTnLst>
-                        <p:par>
-                          <p:cTn id="14" fill="hold">
-                            <p:stCondLst>
-                              <p:cond delay="0"/>
-                            </p:stCondLst>
-                            <p:childTnLst>
                               <p:par>
-                                <p:cTn id="15" presetID="1" presetClass="entr" presetSubtype="0" fill="hold" nodeType="clickEffect">
+                                <p:cTn id="29" presetID="1" presetClass="entr" presetSubtype="0" fill="hold" nodeType="withEffect">
                                   <p:stCondLst>
                                     <p:cond delay="0"/>
                                   </p:stCondLst>
                                   <p:childTnLst>
                                     <p:set>
                                       <p:cBhvr>
-                                        <p:cTn id="16" dur="1" fill="hold">
+                                        <p:cTn id="30" dur="1" fill="hold">
                                           <p:stCondLst>
                                             <p:cond delay="0"/>
                                           </p:stCondLst>
@@ -38180,6 +40639,390 @@
   <p:clrMapOvr>
     <a:masterClrMapping/>
   </p:clrMapOvr>
+  <p:timing>
+    <p:tnLst>
+      <p:par>
+        <p:cTn id="1" dur="indefinite" restart="never" nodeType="tmRoot">
+          <p:childTnLst>
+            <p:seq concurrent="1" nextAc="seek">
+              <p:cTn id="2" dur="indefinite" nodeType="mainSeq">
+                <p:childTnLst>
+                  <p:par>
+                    <p:cTn id="3" fill="hold">
+                      <p:stCondLst>
+                        <p:cond delay="indefinite"/>
+                      </p:stCondLst>
+                      <p:childTnLst>
+                        <p:par>
+                          <p:cTn id="4" fill="hold">
+                            <p:stCondLst>
+                              <p:cond delay="0"/>
+                            </p:stCondLst>
+                            <p:childTnLst>
+                              <p:par>
+                                <p:cTn id="5" presetID="1" presetClass="entr" presetSubtype="0" fill="hold" grpId="0" nodeType="clickEffect">
+                                  <p:stCondLst>
+                                    <p:cond delay="0"/>
+                                  </p:stCondLst>
+                                  <p:childTnLst>
+                                    <p:set>
+                                      <p:cBhvr>
+                                        <p:cTn id="6" dur="1" fill="hold">
+                                          <p:stCondLst>
+                                            <p:cond delay="0"/>
+                                          </p:stCondLst>
+                                        </p:cTn>
+                                        <p:tgtEl>
+                                          <p:spTgt spid="11"/>
+                                        </p:tgtEl>
+                                        <p:attrNameLst>
+                                          <p:attrName>style.visibility</p:attrName>
+                                        </p:attrNameLst>
+                                      </p:cBhvr>
+                                      <p:to>
+                                        <p:strVal val="visible"/>
+                                      </p:to>
+                                    </p:set>
+                                  </p:childTnLst>
+                                </p:cTn>
+                              </p:par>
+                              <p:par>
+                                <p:cTn id="7" presetID="1" presetClass="entr" presetSubtype="0" fill="hold" grpId="0" nodeType="withEffect">
+                                  <p:stCondLst>
+                                    <p:cond delay="0"/>
+                                  </p:stCondLst>
+                                  <p:childTnLst>
+                                    <p:set>
+                                      <p:cBhvr>
+                                        <p:cTn id="8" dur="1" fill="hold">
+                                          <p:stCondLst>
+                                            <p:cond delay="0"/>
+                                          </p:stCondLst>
+                                        </p:cTn>
+                                        <p:tgtEl>
+                                          <p:spTgt spid="12"/>
+                                        </p:tgtEl>
+                                        <p:attrNameLst>
+                                          <p:attrName>style.visibility</p:attrName>
+                                        </p:attrNameLst>
+                                      </p:cBhvr>
+                                      <p:to>
+                                        <p:strVal val="visible"/>
+                                      </p:to>
+                                    </p:set>
+                                  </p:childTnLst>
+                                </p:cTn>
+                              </p:par>
+                              <p:par>
+                                <p:cTn id="9" presetID="1" presetClass="entr" presetSubtype="0" fill="hold" grpId="0" nodeType="withEffect">
+                                  <p:stCondLst>
+                                    <p:cond delay="0"/>
+                                  </p:stCondLst>
+                                  <p:childTnLst>
+                                    <p:set>
+                                      <p:cBhvr>
+                                        <p:cTn id="10" dur="1" fill="hold">
+                                          <p:stCondLst>
+                                            <p:cond delay="0"/>
+                                          </p:stCondLst>
+                                        </p:cTn>
+                                        <p:tgtEl>
+                                          <p:spTgt spid="13"/>
+                                        </p:tgtEl>
+                                        <p:attrNameLst>
+                                          <p:attrName>style.visibility</p:attrName>
+                                        </p:attrNameLst>
+                                      </p:cBhvr>
+                                      <p:to>
+                                        <p:strVal val="visible"/>
+                                      </p:to>
+                                    </p:set>
+                                  </p:childTnLst>
+                                </p:cTn>
+                              </p:par>
+                            </p:childTnLst>
+                          </p:cTn>
+                        </p:par>
+                      </p:childTnLst>
+                    </p:cTn>
+                  </p:par>
+                  <p:par>
+                    <p:cTn id="11" fill="hold">
+                      <p:stCondLst>
+                        <p:cond delay="indefinite"/>
+                      </p:stCondLst>
+                      <p:childTnLst>
+                        <p:par>
+                          <p:cTn id="12" fill="hold">
+                            <p:stCondLst>
+                              <p:cond delay="0"/>
+                            </p:stCondLst>
+                            <p:childTnLst>
+                              <p:par>
+                                <p:cTn id="13" presetID="1" presetClass="entr" presetSubtype="0" fill="hold" grpId="0" nodeType="clickEffect">
+                                  <p:stCondLst>
+                                    <p:cond delay="0"/>
+                                  </p:stCondLst>
+                                  <p:childTnLst>
+                                    <p:set>
+                                      <p:cBhvr>
+                                        <p:cTn id="14" dur="1" fill="hold">
+                                          <p:stCondLst>
+                                            <p:cond delay="0"/>
+                                          </p:stCondLst>
+                                        </p:cTn>
+                                        <p:tgtEl>
+                                          <p:spTgt spid="14"/>
+                                        </p:tgtEl>
+                                        <p:attrNameLst>
+                                          <p:attrName>style.visibility</p:attrName>
+                                        </p:attrNameLst>
+                                      </p:cBhvr>
+                                      <p:to>
+                                        <p:strVal val="visible"/>
+                                      </p:to>
+                                    </p:set>
+                                  </p:childTnLst>
+                                </p:cTn>
+                              </p:par>
+                              <p:par>
+                                <p:cTn id="15" presetID="1" presetClass="entr" presetSubtype="0" fill="hold" grpId="0" nodeType="withEffect">
+                                  <p:stCondLst>
+                                    <p:cond delay="0"/>
+                                  </p:stCondLst>
+                                  <p:childTnLst>
+                                    <p:set>
+                                      <p:cBhvr>
+                                        <p:cTn id="16" dur="1" fill="hold">
+                                          <p:stCondLst>
+                                            <p:cond delay="0"/>
+                                          </p:stCondLst>
+                                        </p:cTn>
+                                        <p:tgtEl>
+                                          <p:spTgt spid="19"/>
+                                        </p:tgtEl>
+                                        <p:attrNameLst>
+                                          <p:attrName>style.visibility</p:attrName>
+                                        </p:attrNameLst>
+                                      </p:cBhvr>
+                                      <p:to>
+                                        <p:strVal val="visible"/>
+                                      </p:to>
+                                    </p:set>
+                                  </p:childTnLst>
+                                </p:cTn>
+                              </p:par>
+                              <p:par>
+                                <p:cTn id="17" presetID="1" presetClass="entr" presetSubtype="0" fill="hold" grpId="0" nodeType="withEffect">
+                                  <p:stCondLst>
+                                    <p:cond delay="0"/>
+                                  </p:stCondLst>
+                                  <p:childTnLst>
+                                    <p:set>
+                                      <p:cBhvr>
+                                        <p:cTn id="18" dur="1" fill="hold">
+                                          <p:stCondLst>
+                                            <p:cond delay="0"/>
+                                          </p:stCondLst>
+                                        </p:cTn>
+                                        <p:tgtEl>
+                                          <p:spTgt spid="20"/>
+                                        </p:tgtEl>
+                                        <p:attrNameLst>
+                                          <p:attrName>style.visibility</p:attrName>
+                                        </p:attrNameLst>
+                                      </p:cBhvr>
+                                      <p:to>
+                                        <p:strVal val="visible"/>
+                                      </p:to>
+                                    </p:set>
+                                  </p:childTnLst>
+                                </p:cTn>
+                              </p:par>
+                            </p:childTnLst>
+                          </p:cTn>
+                        </p:par>
+                      </p:childTnLst>
+                    </p:cTn>
+                  </p:par>
+                  <p:par>
+                    <p:cTn id="19" fill="hold">
+                      <p:stCondLst>
+                        <p:cond delay="indefinite"/>
+                      </p:stCondLst>
+                      <p:childTnLst>
+                        <p:par>
+                          <p:cTn id="20" fill="hold">
+                            <p:stCondLst>
+                              <p:cond delay="0"/>
+                            </p:stCondLst>
+                            <p:childTnLst>
+                              <p:par>
+                                <p:cTn id="21" presetID="1" presetClass="entr" presetSubtype="0" fill="hold" grpId="0" nodeType="clickEffect">
+                                  <p:stCondLst>
+                                    <p:cond delay="0"/>
+                                  </p:stCondLst>
+                                  <p:childTnLst>
+                                    <p:set>
+                                      <p:cBhvr>
+                                        <p:cTn id="22" dur="1" fill="hold">
+                                          <p:stCondLst>
+                                            <p:cond delay="0"/>
+                                          </p:stCondLst>
+                                        </p:cTn>
+                                        <p:tgtEl>
+                                          <p:spTgt spid="15"/>
+                                        </p:tgtEl>
+                                        <p:attrNameLst>
+                                          <p:attrName>style.visibility</p:attrName>
+                                        </p:attrNameLst>
+                                      </p:cBhvr>
+                                      <p:to>
+                                        <p:strVal val="visible"/>
+                                      </p:to>
+                                    </p:set>
+                                  </p:childTnLst>
+                                </p:cTn>
+                              </p:par>
+                              <p:par>
+                                <p:cTn id="23" presetID="1" presetClass="entr" presetSubtype="0" fill="hold" grpId="0" nodeType="withEffect">
+                                  <p:stCondLst>
+                                    <p:cond delay="0"/>
+                                  </p:stCondLst>
+                                  <p:childTnLst>
+                                    <p:set>
+                                      <p:cBhvr>
+                                        <p:cTn id="24" dur="1" fill="hold">
+                                          <p:stCondLst>
+                                            <p:cond delay="0"/>
+                                          </p:stCondLst>
+                                        </p:cTn>
+                                        <p:tgtEl>
+                                          <p:spTgt spid="16"/>
+                                        </p:tgtEl>
+                                        <p:attrNameLst>
+                                          <p:attrName>style.visibility</p:attrName>
+                                        </p:attrNameLst>
+                                      </p:cBhvr>
+                                      <p:to>
+                                        <p:strVal val="visible"/>
+                                      </p:to>
+                                    </p:set>
+                                  </p:childTnLst>
+                                </p:cTn>
+                              </p:par>
+                              <p:par>
+                                <p:cTn id="25" presetID="1" presetClass="entr" presetSubtype="0" fill="hold" grpId="0" nodeType="withEffect">
+                                  <p:stCondLst>
+                                    <p:cond delay="0"/>
+                                  </p:stCondLst>
+                                  <p:childTnLst>
+                                    <p:set>
+                                      <p:cBhvr>
+                                        <p:cTn id="26" dur="1" fill="hold">
+                                          <p:stCondLst>
+                                            <p:cond delay="0"/>
+                                          </p:stCondLst>
+                                        </p:cTn>
+                                        <p:tgtEl>
+                                          <p:spTgt spid="18"/>
+                                        </p:tgtEl>
+                                        <p:attrNameLst>
+                                          <p:attrName>style.visibility</p:attrName>
+                                        </p:attrNameLst>
+                                      </p:cBhvr>
+                                      <p:to>
+                                        <p:strVal val="visible"/>
+                                      </p:to>
+                                    </p:set>
+                                  </p:childTnLst>
+                                </p:cTn>
+                              </p:par>
+                            </p:childTnLst>
+                          </p:cTn>
+                        </p:par>
+                      </p:childTnLst>
+                    </p:cTn>
+                  </p:par>
+                  <p:par>
+                    <p:cTn id="27" fill="hold">
+                      <p:stCondLst>
+                        <p:cond delay="indefinite"/>
+                      </p:stCondLst>
+                      <p:childTnLst>
+                        <p:par>
+                          <p:cTn id="28" fill="hold">
+                            <p:stCondLst>
+                              <p:cond delay="0"/>
+                            </p:stCondLst>
+                            <p:childTnLst>
+                              <p:par>
+                                <p:cTn id="29" presetID="1" presetClass="entr" presetSubtype="0" fill="hold" grpId="0" nodeType="clickEffect">
+                                  <p:stCondLst>
+                                    <p:cond delay="0"/>
+                                  </p:stCondLst>
+                                  <p:childTnLst>
+                                    <p:set>
+                                      <p:cBhvr>
+                                        <p:cTn id="30" dur="1" fill="hold">
+                                          <p:stCondLst>
+                                            <p:cond delay="0"/>
+                                          </p:stCondLst>
+                                        </p:cTn>
+                                        <p:tgtEl>
+                                          <p:spTgt spid="6"/>
+                                        </p:tgtEl>
+                                        <p:attrNameLst>
+                                          <p:attrName>style.visibility</p:attrName>
+                                        </p:attrNameLst>
+                                      </p:cBhvr>
+                                      <p:to>
+                                        <p:strVal val="visible"/>
+                                      </p:to>
+                                    </p:set>
+                                  </p:childTnLst>
+                                </p:cTn>
+                              </p:par>
+                            </p:childTnLst>
+                          </p:cTn>
+                        </p:par>
+                      </p:childTnLst>
+                    </p:cTn>
+                  </p:par>
+                </p:childTnLst>
+              </p:cTn>
+              <p:prevCondLst>
+                <p:cond evt="onPrev" delay="0">
+                  <p:tgtEl>
+                    <p:sldTgt/>
+                  </p:tgtEl>
+                </p:cond>
+              </p:prevCondLst>
+              <p:nextCondLst>
+                <p:cond evt="onNext" delay="0">
+                  <p:tgtEl>
+                    <p:sldTgt/>
+                  </p:tgtEl>
+                </p:cond>
+              </p:nextCondLst>
+            </p:seq>
+          </p:childTnLst>
+        </p:cTn>
+      </p:par>
+    </p:tnLst>
+    <p:bldLst>
+      <p:bldP spid="11" grpId="0" animBg="1"/>
+      <p:bldP spid="12" grpId="0" animBg="1"/>
+      <p:bldP spid="13" grpId="0" animBg="1"/>
+      <p:bldP spid="14" grpId="0" animBg="1"/>
+      <p:bldP spid="15" grpId="0" animBg="1"/>
+      <p:bldP spid="16" grpId="0" animBg="1"/>
+      <p:bldP spid="18" grpId="0" animBg="1"/>
+      <p:bldP spid="19" grpId="0" animBg="1"/>
+      <p:bldP spid="20" grpId="0" animBg="1"/>
+      <p:bldP spid="6" grpId="0"/>
+    </p:bldLst>
+  </p:timing>
 </p:sld>
 </file>
 
